--- a/papers/DRCPA/docs/PerfTest - Overall.pptx
+++ b/papers/DRCPA/docs/PerfTest - Overall.pptx
@@ -1,12 +1,15 @@
 
 <file path=ppt/presentation.xml><?xml version="1.0" encoding="utf-8"?>
-<p:presentation xmlns:a="http://schemas.openxmlformats.org/drawingml/2006/main" xmlns:r="http://schemas.openxmlformats.org/officeDocument/2006/relationships" xmlns:mc="http://schemas.openxmlformats.org/markup-compatibility/2006" xmlns:mv="urn:schemas-microsoft-com:mac:vml" xmlns:p="http://schemas.openxmlformats.org/presentationml/2006/main" mc:Ignorable="mv" mc:PreserveAttributes="mv:*" saveSubsetFonts="1">
+<p:presentation xmlns:a="http://schemas.openxmlformats.org/drawingml/2006/main" xmlns:r="http://schemas.openxmlformats.org/officeDocument/2006/relationships" xmlns:p="http://schemas.openxmlformats.org/presentationml/2006/main" saveSubsetFonts="1">
   <p:sldMasterIdLst>
     <p:sldMasterId id="2147483648" r:id="rId1"/>
   </p:sldMasterIdLst>
   <p:sldIdLst>
     <p:sldId id="256" r:id="rId2"/>
     <p:sldId id="349" r:id="rId3"/>
+    <p:sldId id="350" r:id="rId4"/>
+    <p:sldId id="352" r:id="rId5"/>
+    <p:sldId id="351" r:id="rId6"/>
   </p:sldIdLst>
   <p:sldSz cx="9144000" cy="6858000" type="screen4x3"/>
   <p:notesSz cx="6858000" cy="9144000"/>
@@ -109,7 +112,7 @@
 </file>
 
 <file path=ppt/slideLayouts/slideLayout1.xml><?xml version="1.0" encoding="utf-8"?>
-<p:sldLayout xmlns:a="http://schemas.openxmlformats.org/drawingml/2006/main" xmlns:r="http://schemas.openxmlformats.org/officeDocument/2006/relationships" xmlns:mc="http://schemas.openxmlformats.org/markup-compatibility/2006" xmlns:mv="urn:schemas-microsoft-com:mac:vml" xmlns:p="http://schemas.openxmlformats.org/presentationml/2006/main" mc:Ignorable="mv" mc:PreserveAttributes="mv:*" type="title" preserve="1">
+<p:sldLayout xmlns:a="http://schemas.openxmlformats.org/drawingml/2006/main" xmlns:r="http://schemas.openxmlformats.org/officeDocument/2006/relationships" xmlns:p="http://schemas.openxmlformats.org/presentationml/2006/main" type="title" preserve="1">
   <p:cSld name="Title Slide">
     <p:bg>
       <p:bgRef idx="1002">
@@ -295,7 +298,7 @@
             <a:fld id="{C60591B3-B4ED-4C31-8AEF-63EEC6A32F51}" type="datetimeFigureOut">
               <a:rPr lang="en-US" smtClean="0"/>
               <a:pPr/>
-              <a:t>9/22/09</a:t>
+              <a:t>10/5/2009</a:t>
             </a:fld>
             <a:endParaRPr lang="en-US"/>
           </a:p>
@@ -353,7 +356,7 @@
 </file>
 
 <file path=ppt/slideLayouts/slideLayout10.xml><?xml version="1.0" encoding="utf-8"?>
-<p:sldLayout xmlns:a="http://schemas.openxmlformats.org/drawingml/2006/main" xmlns:r="http://schemas.openxmlformats.org/officeDocument/2006/relationships" xmlns:mc="http://schemas.openxmlformats.org/markup-compatibility/2006" xmlns:mv="urn:schemas-microsoft-com:mac:vml" xmlns:p="http://schemas.openxmlformats.org/presentationml/2006/main" mc:Ignorable="mv" mc:PreserveAttributes="mv:*" type="vertTx" preserve="1">
+<p:sldLayout xmlns:a="http://schemas.openxmlformats.org/drawingml/2006/main" xmlns:r="http://schemas.openxmlformats.org/officeDocument/2006/relationships" xmlns:p="http://schemas.openxmlformats.org/presentationml/2006/main" type="vertTx" preserve="1">
   <p:cSld name="Title and Vertical Text">
     <p:spTree>
       <p:nvGrpSpPr>
@@ -462,7 +465,7 @@
             <a:fld id="{C60591B3-B4ED-4C31-8AEF-63EEC6A32F51}" type="datetimeFigureOut">
               <a:rPr lang="en-US" smtClean="0"/>
               <a:pPr/>
-              <a:t>9/22/09</a:t>
+              <a:t>10/5/2009</a:t>
             </a:fld>
             <a:endParaRPr lang="en-US"/>
           </a:p>
@@ -520,7 +523,7 @@
 </file>
 
 <file path=ppt/slideLayouts/slideLayout11.xml><?xml version="1.0" encoding="utf-8"?>
-<p:sldLayout xmlns:a="http://schemas.openxmlformats.org/drawingml/2006/main" xmlns:r="http://schemas.openxmlformats.org/officeDocument/2006/relationships" xmlns:mc="http://schemas.openxmlformats.org/markup-compatibility/2006" xmlns:mv="urn:schemas-microsoft-com:mac:vml" xmlns:p="http://schemas.openxmlformats.org/presentationml/2006/main" mc:Ignorable="mv" mc:PreserveAttributes="mv:*" type="vertTitleAndTx" preserve="1">
+<p:sldLayout xmlns:a="http://schemas.openxmlformats.org/drawingml/2006/main" xmlns:r="http://schemas.openxmlformats.org/officeDocument/2006/relationships" xmlns:p="http://schemas.openxmlformats.org/presentationml/2006/main" type="vertTitleAndTx" preserve="1">
   <p:cSld name="Vertical Title and Text">
     <p:spTree>
       <p:nvGrpSpPr>
@@ -639,7 +642,7 @@
             <a:fld id="{C60591B3-B4ED-4C31-8AEF-63EEC6A32F51}" type="datetimeFigureOut">
               <a:rPr lang="en-US" smtClean="0"/>
               <a:pPr/>
-              <a:t>9/22/09</a:t>
+              <a:t>10/5/2009</a:t>
             </a:fld>
             <a:endParaRPr lang="en-US"/>
           </a:p>
@@ -697,7 +700,7 @@
 </file>
 
 <file path=ppt/slideLayouts/slideLayout2.xml><?xml version="1.0" encoding="utf-8"?>
-<p:sldLayout xmlns:a="http://schemas.openxmlformats.org/drawingml/2006/main" xmlns:r="http://schemas.openxmlformats.org/officeDocument/2006/relationships" xmlns:mc="http://schemas.openxmlformats.org/markup-compatibility/2006" xmlns:mv="urn:schemas-microsoft-com:mac:vml" xmlns:p="http://schemas.openxmlformats.org/presentationml/2006/main" mc:Ignorable="mv" mc:PreserveAttributes="mv:*" type="obj" preserve="1">
+<p:sldLayout xmlns:a="http://schemas.openxmlformats.org/drawingml/2006/main" xmlns:r="http://schemas.openxmlformats.org/officeDocument/2006/relationships" xmlns:p="http://schemas.openxmlformats.org/presentationml/2006/main" type="obj" preserve="1">
   <p:cSld name="Title and Content">
     <p:spTree>
       <p:nvGrpSpPr>
@@ -806,7 +809,7 @@
             <a:fld id="{C60591B3-B4ED-4C31-8AEF-63EEC6A32F51}" type="datetimeFigureOut">
               <a:rPr lang="en-US" smtClean="0"/>
               <a:pPr/>
-              <a:t>9/22/09</a:t>
+              <a:t>10/5/2009</a:t>
             </a:fld>
             <a:endParaRPr lang="en-US"/>
           </a:p>
@@ -864,7 +867,7 @@
 </file>
 
 <file path=ppt/slideLayouts/slideLayout3.xml><?xml version="1.0" encoding="utf-8"?>
-<p:sldLayout xmlns:a="http://schemas.openxmlformats.org/drawingml/2006/main" xmlns:r="http://schemas.openxmlformats.org/officeDocument/2006/relationships" xmlns:mc="http://schemas.openxmlformats.org/markup-compatibility/2006" xmlns:mv="urn:schemas-microsoft-com:mac:vml" xmlns:p="http://schemas.openxmlformats.org/presentationml/2006/main" mc:Ignorable="mv" mc:PreserveAttributes="mv:*" type="secHead" preserve="1">
+<p:sldLayout xmlns:a="http://schemas.openxmlformats.org/drawingml/2006/main" xmlns:r="http://schemas.openxmlformats.org/officeDocument/2006/relationships" xmlns:p="http://schemas.openxmlformats.org/presentationml/2006/main" type="secHead" preserve="1">
   <p:cSld name="Section Header">
     <p:bg>
       <p:bgRef idx="1002">
@@ -1054,7 +1057,7 @@
             <a:fld id="{C60591B3-B4ED-4C31-8AEF-63EEC6A32F51}" type="datetimeFigureOut">
               <a:rPr lang="en-US" smtClean="0"/>
               <a:pPr/>
-              <a:t>9/22/09</a:t>
+              <a:t>10/5/2009</a:t>
             </a:fld>
             <a:endParaRPr lang="en-US"/>
           </a:p>
@@ -1112,7 +1115,7 @@
 </file>
 
 <file path=ppt/slideLayouts/slideLayout4.xml><?xml version="1.0" encoding="utf-8"?>
-<p:sldLayout xmlns:a="http://schemas.openxmlformats.org/drawingml/2006/main" xmlns:r="http://schemas.openxmlformats.org/officeDocument/2006/relationships" xmlns:mc="http://schemas.openxmlformats.org/markup-compatibility/2006" xmlns:mv="urn:schemas-microsoft-com:mac:vml" xmlns:p="http://schemas.openxmlformats.org/presentationml/2006/main" mc:Ignorable="mv" mc:PreserveAttributes="mv:*" type="twoObj" preserve="1">
+<p:sldLayout xmlns:a="http://schemas.openxmlformats.org/drawingml/2006/main" xmlns:r="http://schemas.openxmlformats.org/officeDocument/2006/relationships" xmlns:p="http://schemas.openxmlformats.org/presentationml/2006/main" type="twoObj" preserve="1">
   <p:cSld name="Two Content">
     <p:spTree>
       <p:nvGrpSpPr>
@@ -1339,7 +1342,7 @@
             <a:fld id="{C60591B3-B4ED-4C31-8AEF-63EEC6A32F51}" type="datetimeFigureOut">
               <a:rPr lang="en-US" smtClean="0"/>
               <a:pPr/>
-              <a:t>9/22/09</a:t>
+              <a:t>10/5/2009</a:t>
             </a:fld>
             <a:endParaRPr lang="en-US"/>
           </a:p>
@@ -1397,7 +1400,7 @@
 </file>
 
 <file path=ppt/slideLayouts/slideLayout5.xml><?xml version="1.0" encoding="utf-8"?>
-<p:sldLayout xmlns:a="http://schemas.openxmlformats.org/drawingml/2006/main" xmlns:r="http://schemas.openxmlformats.org/officeDocument/2006/relationships" xmlns:mc="http://schemas.openxmlformats.org/markup-compatibility/2006" xmlns:mv="urn:schemas-microsoft-com:mac:vml" xmlns:p="http://schemas.openxmlformats.org/presentationml/2006/main" mc:Ignorable="mv" mc:PreserveAttributes="mv:*" type="twoTxTwoObj" preserve="1">
+<p:sldLayout xmlns:a="http://schemas.openxmlformats.org/drawingml/2006/main" xmlns:r="http://schemas.openxmlformats.org/officeDocument/2006/relationships" xmlns:p="http://schemas.openxmlformats.org/presentationml/2006/main" type="twoTxTwoObj" preserve="1">
   <p:cSld name="Comparison">
     <p:spTree>
       <p:nvGrpSpPr>
@@ -1758,7 +1761,7 @@
             <a:fld id="{C60591B3-B4ED-4C31-8AEF-63EEC6A32F51}" type="datetimeFigureOut">
               <a:rPr lang="en-US" smtClean="0"/>
               <a:pPr/>
-              <a:t>9/22/09</a:t>
+              <a:t>10/5/2009</a:t>
             </a:fld>
             <a:endParaRPr lang="en-US"/>
           </a:p>
@@ -1816,7 +1819,7 @@
 </file>
 
 <file path=ppt/slideLayouts/slideLayout6.xml><?xml version="1.0" encoding="utf-8"?>
-<p:sldLayout xmlns:a="http://schemas.openxmlformats.org/drawingml/2006/main" xmlns:r="http://schemas.openxmlformats.org/officeDocument/2006/relationships" xmlns:mc="http://schemas.openxmlformats.org/markup-compatibility/2006" xmlns:mv="urn:schemas-microsoft-com:mac:vml" xmlns:p="http://schemas.openxmlformats.org/presentationml/2006/main" mc:Ignorable="mv" mc:PreserveAttributes="mv:*" type="titleOnly" preserve="1">
+<p:sldLayout xmlns:a="http://schemas.openxmlformats.org/drawingml/2006/main" xmlns:r="http://schemas.openxmlformats.org/officeDocument/2006/relationships" xmlns:p="http://schemas.openxmlformats.org/presentationml/2006/main" type="titleOnly" preserve="1">
   <p:cSld name="Title Only">
     <p:spTree>
       <p:nvGrpSpPr>
@@ -1873,7 +1876,7 @@
             <a:fld id="{C60591B3-B4ED-4C31-8AEF-63EEC6A32F51}" type="datetimeFigureOut">
               <a:rPr lang="en-US" smtClean="0"/>
               <a:pPr/>
-              <a:t>9/22/09</a:t>
+              <a:t>10/5/2009</a:t>
             </a:fld>
             <a:endParaRPr lang="en-US"/>
           </a:p>
@@ -1931,7 +1934,7 @@
 </file>
 
 <file path=ppt/slideLayouts/slideLayout7.xml><?xml version="1.0" encoding="utf-8"?>
-<p:sldLayout xmlns:a="http://schemas.openxmlformats.org/drawingml/2006/main" xmlns:r="http://schemas.openxmlformats.org/officeDocument/2006/relationships" xmlns:mc="http://schemas.openxmlformats.org/markup-compatibility/2006" xmlns:mv="urn:schemas-microsoft-com:mac:vml" xmlns:p="http://schemas.openxmlformats.org/presentationml/2006/main" mc:Ignorable="mv" mc:PreserveAttributes="mv:*" type="blank" preserve="1">
+<p:sldLayout xmlns:a="http://schemas.openxmlformats.org/drawingml/2006/main" xmlns:r="http://schemas.openxmlformats.org/officeDocument/2006/relationships" xmlns:p="http://schemas.openxmlformats.org/presentationml/2006/main" type="blank" preserve="1">
   <p:cSld name="Blank">
     <p:spTree>
       <p:nvGrpSpPr>
@@ -1965,7 +1968,7 @@
             <a:fld id="{C60591B3-B4ED-4C31-8AEF-63EEC6A32F51}" type="datetimeFigureOut">
               <a:rPr lang="en-US" smtClean="0"/>
               <a:pPr/>
-              <a:t>9/22/09</a:t>
+              <a:t>10/5/2009</a:t>
             </a:fld>
             <a:endParaRPr lang="en-US"/>
           </a:p>
@@ -2023,7 +2026,7 @@
 </file>
 
 <file path=ppt/slideLayouts/slideLayout8.xml><?xml version="1.0" encoding="utf-8"?>
-<p:sldLayout xmlns:a="http://schemas.openxmlformats.org/drawingml/2006/main" xmlns:r="http://schemas.openxmlformats.org/officeDocument/2006/relationships" xmlns:mc="http://schemas.openxmlformats.org/markup-compatibility/2006" xmlns:mv="urn:schemas-microsoft-com:mac:vml" xmlns:p="http://schemas.openxmlformats.org/presentationml/2006/main" mc:Ignorable="mv" mc:PreserveAttributes="mv:*" type="objTx" preserve="1">
+<p:sldLayout xmlns:a="http://schemas.openxmlformats.org/drawingml/2006/main" xmlns:r="http://schemas.openxmlformats.org/officeDocument/2006/relationships" xmlns:p="http://schemas.openxmlformats.org/presentationml/2006/main" type="objTx" preserve="1">
   <p:cSld name="Content with Caption">
     <p:spTree>
       <p:nvGrpSpPr>
@@ -2239,7 +2242,7 @@
             <a:fld id="{C60591B3-B4ED-4C31-8AEF-63EEC6A32F51}" type="datetimeFigureOut">
               <a:rPr lang="en-US" smtClean="0"/>
               <a:pPr/>
-              <a:t>9/22/09</a:t>
+              <a:t>10/5/2009</a:t>
             </a:fld>
             <a:endParaRPr lang="en-US"/>
           </a:p>
@@ -2297,7 +2300,7 @@
 </file>
 
 <file path=ppt/slideLayouts/slideLayout9.xml><?xml version="1.0" encoding="utf-8"?>
-<p:sldLayout xmlns:a="http://schemas.openxmlformats.org/drawingml/2006/main" xmlns:r="http://schemas.openxmlformats.org/officeDocument/2006/relationships" xmlns:mc="http://schemas.openxmlformats.org/markup-compatibility/2006" xmlns:mv="urn:schemas-microsoft-com:mac:vml" xmlns:p="http://schemas.openxmlformats.org/presentationml/2006/main" mc:Ignorable="mv" mc:PreserveAttributes="mv:*" type="picTx" preserve="1">
+<p:sldLayout xmlns:a="http://schemas.openxmlformats.org/drawingml/2006/main" xmlns:r="http://schemas.openxmlformats.org/officeDocument/2006/relationships" xmlns:p="http://schemas.openxmlformats.org/presentationml/2006/main" type="picTx" preserve="1">
   <p:cSld name="Picture with Caption">
     <p:spTree>
       <p:nvGrpSpPr>
@@ -2489,7 +2492,7 @@
             <a:fld id="{C60591B3-B4ED-4C31-8AEF-63EEC6A32F51}" type="datetimeFigureOut">
               <a:rPr lang="en-US" smtClean="0"/>
               <a:pPr/>
-              <a:t>9/22/09</a:t>
+              <a:t>10/5/2009</a:t>
             </a:fld>
             <a:endParaRPr lang="en-US"/>
           </a:p>
@@ -2547,7 +2550,7 @@
 </file>
 
 <file path=ppt/slideMasters/slideMaster1.xml><?xml version="1.0" encoding="utf-8"?>
-<p:sldMaster xmlns:a="http://schemas.openxmlformats.org/drawingml/2006/main" xmlns:r="http://schemas.openxmlformats.org/officeDocument/2006/relationships" xmlns:mc="http://schemas.openxmlformats.org/markup-compatibility/2006" xmlns:mv="urn:schemas-microsoft-com:mac:vml" xmlns:p="http://schemas.openxmlformats.org/presentationml/2006/main" mc:Ignorable="mv" mc:PreserveAttributes="mv:*">
+<p:sldMaster xmlns:a="http://schemas.openxmlformats.org/drawingml/2006/main" xmlns:r="http://schemas.openxmlformats.org/officeDocument/2006/relationships" xmlns:p="http://schemas.openxmlformats.org/presentationml/2006/main">
   <p:cSld>
     <p:bg>
       <p:bgRef idx="1001">
@@ -2699,7 +2702,7 @@
             <a:fld id="{C60591B3-B4ED-4C31-8AEF-63EEC6A32F51}" type="datetimeFigureOut">
               <a:rPr lang="en-US" smtClean="0"/>
               <a:pPr/>
-              <a:t>9/22/09</a:t>
+              <a:t>10/5/2009</a:t>
             </a:fld>
             <a:endParaRPr lang="en-US"/>
           </a:p>
@@ -3054,7 +3057,7 @@
 </file>
 
 <file path=ppt/slides/slide1.xml><?xml version="1.0" encoding="utf-8"?>
-<p:sld xmlns:a="http://schemas.openxmlformats.org/drawingml/2006/main" xmlns:r="http://schemas.openxmlformats.org/officeDocument/2006/relationships" xmlns:mc="http://schemas.openxmlformats.org/markup-compatibility/2006" xmlns:mv="urn:schemas-microsoft-com:mac:vml" xmlns:p="http://schemas.openxmlformats.org/presentationml/2006/main" mc:Ignorable="mv" mc:PreserveAttributes="mv:*">
+<p:sld xmlns:a="http://schemas.openxmlformats.org/drawingml/2006/main" xmlns:r="http://schemas.openxmlformats.org/officeDocument/2006/relationships" xmlns:p="http://schemas.openxmlformats.org/presentationml/2006/main">
   <p:cSld>
     <p:spTree>
       <p:nvGrpSpPr>
@@ -3142,7 +3145,15 @@
           <a:p>
             <a:r>
               <a:rPr lang="en-US" dirty="0" smtClean="0"/>
-              <a:t>Last Updated: Sep. 22, 2009</a:t>
+              <a:t>Last Updated: </a:t>
+            </a:r>
+            <a:r>
+              <a:rPr lang="en-US" dirty="0" smtClean="0"/>
+              <a:t>Oct. 5, </a:t>
+            </a:r>
+            <a:r>
+              <a:rPr lang="en-US" dirty="0" smtClean="0"/>
+              <a:t>2009</a:t>
             </a:r>
             <a:endParaRPr lang="en-US" dirty="0"/>
           </a:p>
@@ -3157,7 +3168,7 @@
 </file>
 
 <file path=ppt/slides/slide2.xml><?xml version="1.0" encoding="utf-8"?>
-<p:sld xmlns:a="http://schemas.openxmlformats.org/drawingml/2006/main" xmlns:r="http://schemas.openxmlformats.org/officeDocument/2006/relationships" xmlns:mc="http://schemas.openxmlformats.org/markup-compatibility/2006" xmlns:mv="urn:schemas-microsoft-com:mac:vml" xmlns:p="http://schemas.openxmlformats.org/presentationml/2006/main" mc:Ignorable="mv" mc:PreserveAttributes="mv:*">
+<p:sld xmlns:a="http://schemas.openxmlformats.org/drawingml/2006/main" xmlns:r="http://schemas.openxmlformats.org/officeDocument/2006/relationships" xmlns:p="http://schemas.openxmlformats.org/presentationml/2006/main">
   <p:cSld>
     <p:spTree>
       <p:nvGrpSpPr>
@@ -3682,10 +3693,6 @@
               <a:rPr lang="en-US" sz="1200" dirty="0" err="1" smtClean="0"/>
               <a:t>RPT.pptx</a:t>
             </a:r>
-            <a:r>
-              <a:rPr lang="en-US" sz="1200" dirty="0" smtClean="0"/>
-              <a:t/>
-            </a:r>
             <a:endParaRPr lang="en-US" sz="1200" dirty="0"/>
           </a:p>
         </p:txBody>
@@ -3834,6 +3841,2074 @@
       </p:par>
     </p:tnLst>
   </p:timing>
+</p:sld>
+</file>
+
+<file path=ppt/slides/slide3.xml><?xml version="1.0" encoding="utf-8"?>
+<p:sld xmlns:a="http://schemas.openxmlformats.org/drawingml/2006/main" xmlns:r="http://schemas.openxmlformats.org/officeDocument/2006/relationships" xmlns:p="http://schemas.openxmlformats.org/presentationml/2006/main">
+  <p:cSld>
+    <p:spTree>
+      <p:nvGrpSpPr>
+        <p:cNvPr id="1" name=""/>
+        <p:cNvGrpSpPr/>
+        <p:nvPr/>
+      </p:nvGrpSpPr>
+      <p:grpSpPr>
+        <a:xfrm>
+          <a:off x="0" y="0"/>
+          <a:ext cx="0" cy="0"/>
+          <a:chOff x="0" y="0"/>
+          <a:chExt cx="0" cy="0"/>
+        </a:xfrm>
+      </p:grpSpPr>
+      <p:sp>
+        <p:nvSpPr>
+          <p:cNvPr id="2" name="Title 1"/>
+          <p:cNvSpPr>
+            <a:spLocks noGrp="1"/>
+          </p:cNvSpPr>
+          <p:nvPr>
+            <p:ph type="title"/>
+          </p:nvPr>
+        </p:nvSpPr>
+        <p:spPr/>
+        <p:txBody>
+          <a:bodyPr/>
+          <a:lstStyle/>
+          <a:p>
+            <a:r>
+              <a:rPr lang="en-US" dirty="0" smtClean="0"/>
+              <a:t>Approach</a:t>
+            </a:r>
+            <a:endParaRPr lang="en-US" dirty="0"/>
+          </a:p>
+        </p:txBody>
+      </p:sp>
+      <p:pic>
+        <p:nvPicPr>
+          <p:cNvPr id="4" name="Picture 2" descr="C:\Documents and Settings\Yoonki\Local Settings\Temporary Internet Files\Content.IE5\3JR7YVV4\j0432599[1].png"/>
+          <p:cNvPicPr>
+            <a:picLocks noChangeAspect="1" noChangeArrowheads="1"/>
+          </p:cNvPicPr>
+          <p:nvPr/>
+        </p:nvPicPr>
+        <p:blipFill>
+          <a:blip r:embed="rId2" cstate="print"/>
+          <a:srcRect/>
+          <a:stretch>
+            <a:fillRect/>
+          </a:stretch>
+        </p:blipFill>
+        <p:spPr bwMode="auto">
+          <a:xfrm>
+            <a:off x="1600200" y="5486400"/>
+            <a:ext cx="609600" cy="609600"/>
+          </a:xfrm>
+          <a:prstGeom prst="rect">
+            <a:avLst/>
+          </a:prstGeom>
+          <a:noFill/>
+        </p:spPr>
+      </p:pic>
+      <p:sp>
+        <p:nvSpPr>
+          <p:cNvPr id="8" name="Rounded Rectangle 7"/>
+          <p:cNvSpPr/>
+          <p:nvPr/>
+        </p:nvSpPr>
+        <p:spPr>
+          <a:xfrm>
+            <a:off x="762000" y="1295400"/>
+            <a:ext cx="3124200" cy="4114800"/>
+          </a:xfrm>
+          <a:prstGeom prst="roundRect">
+            <a:avLst>
+              <a:gd name="adj" fmla="val 4036"/>
+            </a:avLst>
+          </a:prstGeom>
+          <a:solidFill>
+            <a:schemeClr val="bg1">
+              <a:lumMod val="85000"/>
+            </a:schemeClr>
+          </a:solidFill>
+          <a:ln w="6350"/>
+        </p:spPr>
+        <p:style>
+          <a:lnRef idx="2">
+            <a:schemeClr val="accent1">
+              <a:shade val="50000"/>
+            </a:schemeClr>
+          </a:lnRef>
+          <a:fillRef idx="1">
+            <a:schemeClr val="accent1"/>
+          </a:fillRef>
+          <a:effectRef idx="0">
+            <a:schemeClr val="accent1"/>
+          </a:effectRef>
+          <a:fontRef idx="minor">
+            <a:schemeClr val="lt1"/>
+          </a:fontRef>
+        </p:style>
+        <p:txBody>
+          <a:bodyPr rtlCol="0" anchor="ctr"/>
+          <a:lstStyle/>
+          <a:p>
+            <a:pPr algn="ctr"/>
+            <a:endParaRPr lang="en-US"/>
+          </a:p>
+        </p:txBody>
+      </p:sp>
+      <p:sp>
+        <p:nvSpPr>
+          <p:cNvPr id="9" name="TextBox 8"/>
+          <p:cNvSpPr txBox="1"/>
+          <p:nvPr/>
+        </p:nvSpPr>
+        <p:spPr>
+          <a:xfrm>
+            <a:off x="1295400" y="1371600"/>
+            <a:ext cx="2133600" cy="369332"/>
+          </a:xfrm>
+          <a:prstGeom prst="rect">
+            <a:avLst/>
+          </a:prstGeom>
+          <a:noFill/>
+        </p:spPr>
+        <p:txBody>
+          <a:bodyPr wrap="square" rtlCol="0">
+            <a:spAutoFit/>
+          </a:bodyPr>
+          <a:lstStyle/>
+          <a:p>
+            <a:pPr algn="ctr"/>
+            <a:r>
+              <a:rPr lang="en-US" dirty="0" smtClean="0"/>
+              <a:t>Presentation System</a:t>
+            </a:r>
+            <a:endParaRPr lang="en-US" dirty="0"/>
+          </a:p>
+        </p:txBody>
+      </p:sp>
+      <p:sp>
+        <p:nvSpPr>
+          <p:cNvPr id="10" name="Rounded Rectangle 9"/>
+          <p:cNvSpPr/>
+          <p:nvPr/>
+        </p:nvSpPr>
+        <p:spPr>
+          <a:xfrm>
+            <a:off x="990600" y="1905000"/>
+            <a:ext cx="2057400" cy="1219200"/>
+          </a:xfrm>
+          <a:prstGeom prst="roundRect">
+            <a:avLst>
+              <a:gd name="adj" fmla="val 5264"/>
+            </a:avLst>
+          </a:prstGeom>
+          <a:solidFill>
+            <a:schemeClr val="bg1">
+              <a:lumMod val="95000"/>
+            </a:schemeClr>
+          </a:solidFill>
+          <a:ln w="3175"/>
+        </p:spPr>
+        <p:style>
+          <a:lnRef idx="2">
+            <a:schemeClr val="accent1">
+              <a:shade val="50000"/>
+            </a:schemeClr>
+          </a:lnRef>
+          <a:fillRef idx="1">
+            <a:schemeClr val="accent1"/>
+          </a:fillRef>
+          <a:effectRef idx="0">
+            <a:schemeClr val="accent1"/>
+          </a:effectRef>
+          <a:fontRef idx="minor">
+            <a:schemeClr val="lt1"/>
+          </a:fontRef>
+        </p:style>
+        <p:txBody>
+          <a:bodyPr rtlCol="0" anchor="ctr"/>
+          <a:lstStyle/>
+          <a:p>
+            <a:pPr algn="ctr"/>
+            <a:endParaRPr lang="en-US" sz="1200"/>
+          </a:p>
+        </p:txBody>
+      </p:sp>
+      <p:sp>
+        <p:nvSpPr>
+          <p:cNvPr id="11" name="TextBox 10"/>
+          <p:cNvSpPr txBox="1"/>
+          <p:nvPr/>
+        </p:nvSpPr>
+        <p:spPr>
+          <a:xfrm>
+            <a:off x="1066800" y="1905000"/>
+            <a:ext cx="1905000" cy="276999"/>
+          </a:xfrm>
+          <a:prstGeom prst="rect">
+            <a:avLst/>
+          </a:prstGeom>
+          <a:noFill/>
+        </p:spPr>
+        <p:txBody>
+          <a:bodyPr wrap="square" rtlCol="0">
+            <a:spAutoFit/>
+          </a:bodyPr>
+          <a:lstStyle/>
+          <a:p>
+            <a:pPr algn="ctr"/>
+            <a:r>
+              <a:rPr lang="en-US" sz="1200" dirty="0" smtClean="0"/>
+              <a:t>RPT</a:t>
+            </a:r>
+            <a:endParaRPr lang="en-US" sz="1200" dirty="0"/>
+          </a:p>
+        </p:txBody>
+      </p:sp>
+      <p:sp>
+        <p:nvSpPr>
+          <p:cNvPr id="12" name="TextBox 11"/>
+          <p:cNvSpPr txBox="1"/>
+          <p:nvPr/>
+        </p:nvSpPr>
+        <p:spPr>
+          <a:xfrm>
+            <a:off x="1066800" y="2209800"/>
+            <a:ext cx="1905000" cy="276999"/>
+          </a:xfrm>
+          <a:prstGeom prst="rect">
+            <a:avLst/>
+          </a:prstGeom>
+          <a:solidFill>
+            <a:schemeClr val="bg1">
+              <a:lumMod val="75000"/>
+            </a:schemeClr>
+          </a:solidFill>
+        </p:spPr>
+        <p:txBody>
+          <a:bodyPr wrap="square" rtlCol="0">
+            <a:spAutoFit/>
+          </a:bodyPr>
+          <a:lstStyle/>
+          <a:p>
+            <a:pPr algn="ctr"/>
+            <a:r>
+              <a:rPr lang="en-US" sz="1200" dirty="0" smtClean="0"/>
+              <a:t>Report Generation</a:t>
+            </a:r>
+            <a:endParaRPr lang="en-US" sz="1200" dirty="0"/>
+          </a:p>
+        </p:txBody>
+      </p:sp>
+      <p:sp>
+        <p:nvSpPr>
+          <p:cNvPr id="13" name="TextBox 12"/>
+          <p:cNvSpPr txBox="1"/>
+          <p:nvPr/>
+        </p:nvSpPr>
+        <p:spPr>
+          <a:xfrm>
+            <a:off x="1066800" y="2514601"/>
+            <a:ext cx="1905000" cy="276999"/>
+          </a:xfrm>
+          <a:prstGeom prst="rect">
+            <a:avLst/>
+          </a:prstGeom>
+          <a:solidFill>
+            <a:schemeClr val="bg1">
+              <a:lumMod val="75000"/>
+            </a:schemeClr>
+          </a:solidFill>
+        </p:spPr>
+        <p:txBody>
+          <a:bodyPr wrap="square" rtlCol="0">
+            <a:spAutoFit/>
+          </a:bodyPr>
+          <a:lstStyle/>
+          <a:p>
+            <a:pPr algn="ctr"/>
+            <a:r>
+              <a:rPr lang="en-US" sz="1200" dirty="0" smtClean="0"/>
+              <a:t>Performance Schedule</a:t>
+            </a:r>
+            <a:endParaRPr lang="en-US" sz="1200" dirty="0"/>
+          </a:p>
+        </p:txBody>
+      </p:sp>
+      <p:sp>
+        <p:nvSpPr>
+          <p:cNvPr id="14" name="TextBox 13"/>
+          <p:cNvSpPr txBox="1"/>
+          <p:nvPr/>
+        </p:nvSpPr>
+        <p:spPr>
+          <a:xfrm>
+            <a:off x="1066800" y="2819400"/>
+            <a:ext cx="1905000" cy="276999"/>
+          </a:xfrm>
+          <a:prstGeom prst="rect">
+            <a:avLst/>
+          </a:prstGeom>
+          <a:solidFill>
+            <a:schemeClr val="bg1">
+              <a:lumMod val="75000"/>
+            </a:schemeClr>
+          </a:solidFill>
+          <a:ln>
+            <a:solidFill>
+              <a:schemeClr val="bg1"/>
+            </a:solidFill>
+          </a:ln>
+        </p:spPr>
+        <p:txBody>
+          <a:bodyPr wrap="square" rtlCol="0">
+            <a:spAutoFit/>
+          </a:bodyPr>
+          <a:lstStyle/>
+          <a:p>
+            <a:pPr algn="ctr"/>
+            <a:r>
+              <a:rPr lang="en-US" sz="1200" dirty="0" smtClean="0"/>
+              <a:t>Performance Test</a:t>
+            </a:r>
+            <a:endParaRPr lang="en-US" sz="1200" dirty="0"/>
+          </a:p>
+        </p:txBody>
+      </p:sp>
+      <p:sp>
+        <p:nvSpPr>
+          <p:cNvPr id="15" name="Rounded Rectangle 14"/>
+          <p:cNvSpPr/>
+          <p:nvPr/>
+        </p:nvSpPr>
+        <p:spPr>
+          <a:xfrm>
+            <a:off x="3200400" y="1905000"/>
+            <a:ext cx="533400" cy="2590800"/>
+          </a:xfrm>
+          <a:prstGeom prst="roundRect">
+            <a:avLst>
+              <a:gd name="adj" fmla="val 5264"/>
+            </a:avLst>
+          </a:prstGeom>
+          <a:solidFill>
+            <a:schemeClr val="bg1">
+              <a:lumMod val="95000"/>
+            </a:schemeClr>
+          </a:solidFill>
+          <a:ln w="3175"/>
+        </p:spPr>
+        <p:style>
+          <a:lnRef idx="2">
+            <a:schemeClr val="accent1">
+              <a:shade val="50000"/>
+            </a:schemeClr>
+          </a:lnRef>
+          <a:fillRef idx="1">
+            <a:schemeClr val="accent1"/>
+          </a:fillRef>
+          <a:effectRef idx="0">
+            <a:schemeClr val="accent1"/>
+          </a:effectRef>
+          <a:fontRef idx="minor">
+            <a:schemeClr val="lt1"/>
+          </a:fontRef>
+        </p:style>
+        <p:txBody>
+          <a:bodyPr rtlCol="0" anchor="ctr"/>
+          <a:lstStyle/>
+          <a:p>
+            <a:pPr algn="ctr"/>
+            <a:r>
+              <a:rPr lang="en-US" sz="1200" dirty="0" smtClean="0">
+                <a:solidFill>
+                  <a:schemeClr val="tx1"/>
+                </a:solidFill>
+              </a:rPr>
+              <a:t>Agent Controller</a:t>
+            </a:r>
+            <a:endParaRPr lang="en-US" sz="1200" dirty="0">
+              <a:solidFill>
+                <a:schemeClr val="tx1"/>
+              </a:solidFill>
+            </a:endParaRPr>
+          </a:p>
+        </p:txBody>
+      </p:sp>
+      <p:sp>
+        <p:nvSpPr>
+          <p:cNvPr id="17" name="Rounded Rectangle 16"/>
+          <p:cNvSpPr/>
+          <p:nvPr/>
+        </p:nvSpPr>
+        <p:spPr>
+          <a:xfrm>
+            <a:off x="990600" y="3276600"/>
+            <a:ext cx="2057400" cy="1219200"/>
+          </a:xfrm>
+          <a:prstGeom prst="roundRect">
+            <a:avLst>
+              <a:gd name="adj" fmla="val 5264"/>
+            </a:avLst>
+          </a:prstGeom>
+          <a:solidFill>
+            <a:schemeClr val="bg1">
+              <a:lumMod val="95000"/>
+            </a:schemeClr>
+          </a:solidFill>
+          <a:ln w="3175"/>
+        </p:spPr>
+        <p:style>
+          <a:lnRef idx="2">
+            <a:schemeClr val="accent1">
+              <a:shade val="50000"/>
+            </a:schemeClr>
+          </a:lnRef>
+          <a:fillRef idx="1">
+            <a:schemeClr val="accent1"/>
+          </a:fillRef>
+          <a:effectRef idx="0">
+            <a:schemeClr val="accent1"/>
+          </a:effectRef>
+          <a:fontRef idx="minor">
+            <a:schemeClr val="lt1"/>
+          </a:fontRef>
+        </p:style>
+        <p:txBody>
+          <a:bodyPr rtlCol="0" anchor="ctr"/>
+          <a:lstStyle/>
+          <a:p>
+            <a:pPr algn="ctr"/>
+            <a:endParaRPr lang="en-US" sz="1200"/>
+          </a:p>
+        </p:txBody>
+      </p:sp>
+      <p:sp>
+        <p:nvSpPr>
+          <p:cNvPr id="18" name="TextBox 17"/>
+          <p:cNvSpPr txBox="1"/>
+          <p:nvPr/>
+        </p:nvSpPr>
+        <p:spPr>
+          <a:xfrm>
+            <a:off x="1066800" y="3276600"/>
+            <a:ext cx="1905000" cy="276999"/>
+          </a:xfrm>
+          <a:prstGeom prst="rect">
+            <a:avLst/>
+          </a:prstGeom>
+          <a:noFill/>
+        </p:spPr>
+        <p:txBody>
+          <a:bodyPr wrap="square" rtlCol="0">
+            <a:spAutoFit/>
+          </a:bodyPr>
+          <a:lstStyle/>
+          <a:p>
+            <a:pPr algn="ctr"/>
+            <a:r>
+              <a:rPr lang="en-US" sz="1200" dirty="0" smtClean="0"/>
+              <a:t>TPTP</a:t>
+            </a:r>
+            <a:endParaRPr lang="en-US" sz="1200" dirty="0"/>
+          </a:p>
+        </p:txBody>
+      </p:sp>
+      <p:sp>
+        <p:nvSpPr>
+          <p:cNvPr id="19" name="TextBox 18"/>
+          <p:cNvSpPr txBox="1"/>
+          <p:nvPr/>
+        </p:nvSpPr>
+        <p:spPr>
+          <a:xfrm>
+            <a:off x="2438400" y="3581400"/>
+            <a:ext cx="533400" cy="646331"/>
+          </a:xfrm>
+          <a:prstGeom prst="rect">
+            <a:avLst/>
+          </a:prstGeom>
+          <a:solidFill>
+            <a:schemeClr val="bg1">
+              <a:lumMod val="75000"/>
+            </a:schemeClr>
+          </a:solidFill>
+        </p:spPr>
+        <p:txBody>
+          <a:bodyPr wrap="square" rtlCol="0">
+            <a:spAutoFit/>
+          </a:bodyPr>
+          <a:lstStyle/>
+          <a:p>
+            <a:pPr algn="ctr"/>
+            <a:r>
+              <a:rPr lang="en-US" sz="1200" dirty="0" smtClean="0"/>
+              <a:t>Data Loader</a:t>
+            </a:r>
+            <a:endParaRPr lang="en-US" sz="1200" dirty="0"/>
+          </a:p>
+        </p:txBody>
+      </p:sp>
+      <p:sp>
+        <p:nvSpPr>
+          <p:cNvPr id="20" name="TextBox 19"/>
+          <p:cNvSpPr txBox="1"/>
+          <p:nvPr/>
+        </p:nvSpPr>
+        <p:spPr>
+          <a:xfrm>
+            <a:off x="1295400" y="3810000"/>
+            <a:ext cx="1295400" cy="276999"/>
+          </a:xfrm>
+          <a:prstGeom prst="rect">
+            <a:avLst/>
+          </a:prstGeom>
+          <a:solidFill>
+            <a:schemeClr val="bg1">
+              <a:lumMod val="75000"/>
+            </a:schemeClr>
+          </a:solidFill>
+        </p:spPr>
+        <p:txBody>
+          <a:bodyPr wrap="square" rtlCol="0">
+            <a:spAutoFit/>
+          </a:bodyPr>
+          <a:lstStyle/>
+          <a:p>
+            <a:pPr algn="ctr"/>
+            <a:r>
+              <a:rPr lang="en-US" sz="1200" dirty="0" smtClean="0"/>
+              <a:t>Views</a:t>
+            </a:r>
+            <a:endParaRPr lang="en-US" sz="1200" dirty="0"/>
+          </a:p>
+        </p:txBody>
+      </p:sp>
+      <p:sp>
+        <p:nvSpPr>
+          <p:cNvPr id="21" name="TextBox 20"/>
+          <p:cNvSpPr txBox="1"/>
+          <p:nvPr/>
+        </p:nvSpPr>
+        <p:spPr>
+          <a:xfrm>
+            <a:off x="1295400" y="4114799"/>
+            <a:ext cx="1295400" cy="276999"/>
+          </a:xfrm>
+          <a:prstGeom prst="rect">
+            <a:avLst/>
+          </a:prstGeom>
+          <a:solidFill>
+            <a:schemeClr val="bg1">
+              <a:lumMod val="75000"/>
+            </a:schemeClr>
+          </a:solidFill>
+          <a:ln>
+            <a:solidFill>
+              <a:schemeClr val="bg1"/>
+            </a:solidFill>
+          </a:ln>
+        </p:spPr>
+        <p:txBody>
+          <a:bodyPr wrap="square" rtlCol="0">
+            <a:spAutoFit/>
+          </a:bodyPr>
+          <a:lstStyle/>
+          <a:p>
+            <a:pPr algn="ctr"/>
+            <a:r>
+              <a:rPr lang="en-US" sz="1200" dirty="0" smtClean="0"/>
+              <a:t>EMF Data Models</a:t>
+            </a:r>
+            <a:endParaRPr lang="en-US" sz="1200" dirty="0"/>
+          </a:p>
+        </p:txBody>
+      </p:sp>
+      <p:sp>
+        <p:nvSpPr>
+          <p:cNvPr id="22" name="TextBox 21"/>
+          <p:cNvSpPr txBox="1"/>
+          <p:nvPr/>
+        </p:nvSpPr>
+        <p:spPr>
+          <a:xfrm>
+            <a:off x="1066800" y="3581400"/>
+            <a:ext cx="533400" cy="646331"/>
+          </a:xfrm>
+          <a:prstGeom prst="rect">
+            <a:avLst/>
+          </a:prstGeom>
+          <a:solidFill>
+            <a:schemeClr val="bg1">
+              <a:lumMod val="75000"/>
+            </a:schemeClr>
+          </a:solidFill>
+        </p:spPr>
+        <p:txBody>
+          <a:bodyPr wrap="square" rtlCol="0">
+            <a:spAutoFit/>
+          </a:bodyPr>
+          <a:lstStyle/>
+          <a:p>
+            <a:pPr algn="ctr"/>
+            <a:r>
+              <a:rPr lang="en-US" sz="1200" dirty="0" smtClean="0"/>
+              <a:t>HTTP Recorder</a:t>
+            </a:r>
+            <a:endParaRPr lang="en-US" sz="1200" dirty="0"/>
+          </a:p>
+        </p:txBody>
+      </p:sp>
+      <p:sp>
+        <p:nvSpPr>
+          <p:cNvPr id="23" name="Rounded Rectangle 22"/>
+          <p:cNvSpPr/>
+          <p:nvPr/>
+        </p:nvSpPr>
+        <p:spPr>
+          <a:xfrm>
+            <a:off x="990600" y="4572000"/>
+            <a:ext cx="2057400" cy="533400"/>
+          </a:xfrm>
+          <a:prstGeom prst="roundRect">
+            <a:avLst>
+              <a:gd name="adj" fmla="val 5264"/>
+            </a:avLst>
+          </a:prstGeom>
+          <a:solidFill>
+            <a:schemeClr val="bg1">
+              <a:lumMod val="95000"/>
+            </a:schemeClr>
+          </a:solidFill>
+          <a:ln w="3175"/>
+        </p:spPr>
+        <p:style>
+          <a:lnRef idx="2">
+            <a:schemeClr val="accent1">
+              <a:shade val="50000"/>
+            </a:schemeClr>
+          </a:lnRef>
+          <a:fillRef idx="1">
+            <a:schemeClr val="accent1"/>
+          </a:fillRef>
+          <a:effectRef idx="0">
+            <a:schemeClr val="accent1"/>
+          </a:effectRef>
+          <a:fontRef idx="minor">
+            <a:schemeClr val="lt1"/>
+          </a:fontRef>
+        </p:style>
+        <p:txBody>
+          <a:bodyPr rtlCol="0" anchor="ctr"/>
+          <a:lstStyle/>
+          <a:p>
+            <a:pPr algn="ctr"/>
+            <a:r>
+              <a:rPr lang="en-US" sz="1200" dirty="0" smtClean="0">
+                <a:solidFill>
+                  <a:schemeClr val="tx1"/>
+                </a:solidFill>
+              </a:rPr>
+              <a:t>Eclipse</a:t>
+            </a:r>
+            <a:endParaRPr lang="en-US" sz="1200" dirty="0">
+              <a:solidFill>
+                <a:schemeClr val="tx1"/>
+              </a:solidFill>
+            </a:endParaRPr>
+          </a:p>
+        </p:txBody>
+      </p:sp>
+    </p:spTree>
+  </p:cSld>
+  <p:clrMapOvr>
+    <a:masterClrMapping/>
+  </p:clrMapOvr>
+  <p:timing>
+    <p:tnLst>
+      <p:par>
+        <p:cTn id="1" dur="indefinite" restart="never" nodeType="tmRoot"/>
+      </p:par>
+    </p:tnLst>
+  </p:timing>
+</p:sld>
+</file>
+
+<file path=ppt/slides/slide4.xml><?xml version="1.0" encoding="utf-8"?>
+<p:sld xmlns:a="http://schemas.openxmlformats.org/drawingml/2006/main" xmlns:r="http://schemas.openxmlformats.org/officeDocument/2006/relationships" xmlns:p="http://schemas.openxmlformats.org/presentationml/2006/main">
+  <p:cSld>
+    <p:spTree>
+      <p:nvGrpSpPr>
+        <p:cNvPr id="1" name=""/>
+        <p:cNvGrpSpPr/>
+        <p:nvPr/>
+      </p:nvGrpSpPr>
+      <p:grpSpPr>
+        <a:xfrm>
+          <a:off x="0" y="0"/>
+          <a:ext cx="0" cy="0"/>
+          <a:chOff x="0" y="0"/>
+          <a:chExt cx="0" cy="0"/>
+        </a:xfrm>
+      </p:grpSpPr>
+      <p:sp>
+        <p:nvSpPr>
+          <p:cNvPr id="8" name="Rounded Rectangle 7"/>
+          <p:cNvSpPr/>
+          <p:nvPr/>
+        </p:nvSpPr>
+        <p:spPr>
+          <a:xfrm>
+            <a:off x="762000" y="1295400"/>
+            <a:ext cx="3124200" cy="4114800"/>
+          </a:xfrm>
+          <a:prstGeom prst="roundRect">
+            <a:avLst>
+              <a:gd name="adj" fmla="val 4036"/>
+            </a:avLst>
+          </a:prstGeom>
+          <a:solidFill>
+            <a:schemeClr val="bg1">
+              <a:lumMod val="85000"/>
+            </a:schemeClr>
+          </a:solidFill>
+          <a:ln w="6350"/>
+        </p:spPr>
+        <p:style>
+          <a:lnRef idx="2">
+            <a:schemeClr val="accent1">
+              <a:shade val="50000"/>
+            </a:schemeClr>
+          </a:lnRef>
+          <a:fillRef idx="1">
+            <a:schemeClr val="accent1"/>
+          </a:fillRef>
+          <a:effectRef idx="0">
+            <a:schemeClr val="accent1"/>
+          </a:effectRef>
+          <a:fontRef idx="minor">
+            <a:schemeClr val="lt1"/>
+          </a:fontRef>
+        </p:style>
+        <p:txBody>
+          <a:bodyPr rtlCol="0" anchor="ctr"/>
+          <a:lstStyle/>
+          <a:p>
+            <a:pPr algn="ctr"/>
+            <a:endParaRPr lang="en-US"/>
+          </a:p>
+        </p:txBody>
+      </p:sp>
+      <p:sp>
+        <p:nvSpPr>
+          <p:cNvPr id="9" name="TextBox 8"/>
+          <p:cNvSpPr txBox="1"/>
+          <p:nvPr/>
+        </p:nvSpPr>
+        <p:spPr>
+          <a:xfrm>
+            <a:off x="1295400" y="1371600"/>
+            <a:ext cx="2133600" cy="369332"/>
+          </a:xfrm>
+          <a:prstGeom prst="rect">
+            <a:avLst/>
+          </a:prstGeom>
+          <a:noFill/>
+        </p:spPr>
+        <p:txBody>
+          <a:bodyPr wrap="square" rtlCol="0">
+            <a:spAutoFit/>
+          </a:bodyPr>
+          <a:lstStyle/>
+          <a:p>
+            <a:pPr algn="ctr"/>
+            <a:r>
+              <a:rPr lang="en-US" dirty="0" smtClean="0"/>
+              <a:t>Presentation System</a:t>
+            </a:r>
+            <a:endParaRPr lang="en-US" dirty="0"/>
+          </a:p>
+        </p:txBody>
+      </p:sp>
+      <p:sp>
+        <p:nvSpPr>
+          <p:cNvPr id="10" name="Rounded Rectangle 9"/>
+          <p:cNvSpPr/>
+          <p:nvPr/>
+        </p:nvSpPr>
+        <p:spPr>
+          <a:xfrm>
+            <a:off x="990600" y="2667000"/>
+            <a:ext cx="2057400" cy="457200"/>
+          </a:xfrm>
+          <a:prstGeom prst="roundRect">
+            <a:avLst>
+              <a:gd name="adj" fmla="val 5264"/>
+            </a:avLst>
+          </a:prstGeom>
+          <a:solidFill>
+            <a:schemeClr val="bg1">
+              <a:lumMod val="95000"/>
+            </a:schemeClr>
+          </a:solidFill>
+          <a:ln w="3175"/>
+        </p:spPr>
+        <p:style>
+          <a:lnRef idx="2">
+            <a:schemeClr val="accent1">
+              <a:shade val="50000"/>
+            </a:schemeClr>
+          </a:lnRef>
+          <a:fillRef idx="1">
+            <a:schemeClr val="accent1"/>
+          </a:fillRef>
+          <a:effectRef idx="0">
+            <a:schemeClr val="accent1"/>
+          </a:effectRef>
+          <a:fontRef idx="minor">
+            <a:schemeClr val="lt1"/>
+          </a:fontRef>
+        </p:style>
+        <p:txBody>
+          <a:bodyPr rtlCol="0" anchor="ctr"/>
+          <a:lstStyle/>
+          <a:p>
+            <a:pPr algn="ctr"/>
+            <a:endParaRPr lang="en-US" sz="1200"/>
+          </a:p>
+        </p:txBody>
+      </p:sp>
+      <p:sp>
+        <p:nvSpPr>
+          <p:cNvPr id="11" name="TextBox 10"/>
+          <p:cNvSpPr txBox="1"/>
+          <p:nvPr/>
+        </p:nvSpPr>
+        <p:spPr>
+          <a:xfrm>
+            <a:off x="1066800" y="2743200"/>
+            <a:ext cx="1905000" cy="276999"/>
+          </a:xfrm>
+          <a:prstGeom prst="rect">
+            <a:avLst/>
+          </a:prstGeom>
+          <a:noFill/>
+        </p:spPr>
+        <p:txBody>
+          <a:bodyPr wrap="square" rtlCol="0">
+            <a:spAutoFit/>
+          </a:bodyPr>
+          <a:lstStyle/>
+          <a:p>
+            <a:pPr algn="ctr"/>
+            <a:r>
+              <a:rPr lang="en-US" sz="1200" dirty="0" smtClean="0"/>
+              <a:t>RPT</a:t>
+            </a:r>
+            <a:endParaRPr lang="en-US" sz="1200" dirty="0"/>
+          </a:p>
+        </p:txBody>
+      </p:sp>
+      <p:sp>
+        <p:nvSpPr>
+          <p:cNvPr id="15" name="Rounded Rectangle 14"/>
+          <p:cNvSpPr/>
+          <p:nvPr/>
+        </p:nvSpPr>
+        <p:spPr>
+          <a:xfrm>
+            <a:off x="3200400" y="2133600"/>
+            <a:ext cx="533400" cy="2362200"/>
+          </a:xfrm>
+          <a:prstGeom prst="roundRect">
+            <a:avLst>
+              <a:gd name="adj" fmla="val 5264"/>
+            </a:avLst>
+          </a:prstGeom>
+          <a:solidFill>
+            <a:schemeClr val="bg1">
+              <a:lumMod val="95000"/>
+            </a:schemeClr>
+          </a:solidFill>
+          <a:ln w="3175"/>
+        </p:spPr>
+        <p:style>
+          <a:lnRef idx="2">
+            <a:schemeClr val="accent1">
+              <a:shade val="50000"/>
+            </a:schemeClr>
+          </a:lnRef>
+          <a:fillRef idx="1">
+            <a:schemeClr val="accent1"/>
+          </a:fillRef>
+          <a:effectRef idx="0">
+            <a:schemeClr val="accent1"/>
+          </a:effectRef>
+          <a:fontRef idx="minor">
+            <a:schemeClr val="lt1"/>
+          </a:fontRef>
+        </p:style>
+        <p:txBody>
+          <a:bodyPr vert="eaVert" rtlCol="0" anchor="ctr"/>
+          <a:lstStyle/>
+          <a:p>
+            <a:pPr algn="ctr"/>
+            <a:r>
+              <a:rPr lang="en-US" sz="1200" dirty="0" smtClean="0">
+                <a:solidFill>
+                  <a:schemeClr val="tx1"/>
+                </a:solidFill>
+              </a:rPr>
+              <a:t>Agent Controller</a:t>
+            </a:r>
+            <a:endParaRPr lang="en-US" sz="1200" dirty="0">
+              <a:solidFill>
+                <a:schemeClr val="tx1"/>
+              </a:solidFill>
+            </a:endParaRPr>
+          </a:p>
+        </p:txBody>
+      </p:sp>
+      <p:sp>
+        <p:nvSpPr>
+          <p:cNvPr id="17" name="Rounded Rectangle 16"/>
+          <p:cNvSpPr/>
+          <p:nvPr/>
+        </p:nvSpPr>
+        <p:spPr>
+          <a:xfrm>
+            <a:off x="990600" y="3276600"/>
+            <a:ext cx="2057400" cy="1219200"/>
+          </a:xfrm>
+          <a:prstGeom prst="roundRect">
+            <a:avLst>
+              <a:gd name="adj" fmla="val 5264"/>
+            </a:avLst>
+          </a:prstGeom>
+          <a:solidFill>
+            <a:schemeClr val="bg1">
+              <a:lumMod val="95000"/>
+            </a:schemeClr>
+          </a:solidFill>
+          <a:ln w="3175"/>
+        </p:spPr>
+        <p:style>
+          <a:lnRef idx="2">
+            <a:schemeClr val="accent1">
+              <a:shade val="50000"/>
+            </a:schemeClr>
+          </a:lnRef>
+          <a:fillRef idx="1">
+            <a:schemeClr val="accent1"/>
+          </a:fillRef>
+          <a:effectRef idx="0">
+            <a:schemeClr val="accent1"/>
+          </a:effectRef>
+          <a:fontRef idx="minor">
+            <a:schemeClr val="lt1"/>
+          </a:fontRef>
+        </p:style>
+        <p:txBody>
+          <a:bodyPr rtlCol="0" anchor="ctr"/>
+          <a:lstStyle/>
+          <a:p>
+            <a:pPr algn="ctr"/>
+            <a:endParaRPr lang="en-US" sz="1200"/>
+          </a:p>
+        </p:txBody>
+      </p:sp>
+      <p:sp>
+        <p:nvSpPr>
+          <p:cNvPr id="18" name="TextBox 17"/>
+          <p:cNvSpPr txBox="1"/>
+          <p:nvPr/>
+        </p:nvSpPr>
+        <p:spPr>
+          <a:xfrm>
+            <a:off x="1066800" y="3276600"/>
+            <a:ext cx="1905000" cy="276999"/>
+          </a:xfrm>
+          <a:prstGeom prst="rect">
+            <a:avLst/>
+          </a:prstGeom>
+          <a:noFill/>
+        </p:spPr>
+        <p:txBody>
+          <a:bodyPr wrap="square" rtlCol="0" anchor="ctr">
+            <a:spAutoFit/>
+          </a:bodyPr>
+          <a:lstStyle/>
+          <a:p>
+            <a:pPr algn="ctr"/>
+            <a:r>
+              <a:rPr lang="en-US" sz="1200" dirty="0" smtClean="0"/>
+              <a:t>TPTP</a:t>
+            </a:r>
+            <a:endParaRPr lang="en-US" sz="1200" dirty="0"/>
+          </a:p>
+        </p:txBody>
+      </p:sp>
+      <p:sp>
+        <p:nvSpPr>
+          <p:cNvPr id="19" name="TextBox 18"/>
+          <p:cNvSpPr txBox="1"/>
+          <p:nvPr/>
+        </p:nvSpPr>
+        <p:spPr>
+          <a:xfrm>
+            <a:off x="2417802" y="3581400"/>
+            <a:ext cx="553998" cy="762000"/>
+          </a:xfrm>
+          <a:prstGeom prst="rect">
+            <a:avLst/>
+          </a:prstGeom>
+          <a:solidFill>
+            <a:schemeClr val="bg1">
+              <a:lumMod val="75000"/>
+            </a:schemeClr>
+          </a:solidFill>
+          <a:ln w="3175">
+            <a:solidFill>
+              <a:schemeClr val="tx1"/>
+            </a:solidFill>
+          </a:ln>
+        </p:spPr>
+        <p:txBody>
+          <a:bodyPr vert="eaVert" wrap="square" rtlCol="0" anchor="ctr">
+            <a:spAutoFit/>
+          </a:bodyPr>
+          <a:lstStyle/>
+          <a:p>
+            <a:pPr algn="ctr"/>
+            <a:r>
+              <a:rPr lang="en-US" sz="1200" dirty="0" smtClean="0"/>
+              <a:t>Data Loader</a:t>
+            </a:r>
+            <a:endParaRPr lang="en-US" sz="1200" dirty="0"/>
+          </a:p>
+        </p:txBody>
+      </p:sp>
+      <p:sp>
+        <p:nvSpPr>
+          <p:cNvPr id="20" name="TextBox 19"/>
+          <p:cNvSpPr txBox="1"/>
+          <p:nvPr/>
+        </p:nvSpPr>
+        <p:spPr>
+          <a:xfrm>
+            <a:off x="1447800" y="3581400"/>
+            <a:ext cx="990600" cy="276999"/>
+          </a:xfrm>
+          <a:prstGeom prst="rect">
+            <a:avLst/>
+          </a:prstGeom>
+          <a:solidFill>
+            <a:schemeClr val="bg1">
+              <a:lumMod val="75000"/>
+            </a:schemeClr>
+          </a:solidFill>
+          <a:ln w="3175">
+            <a:solidFill>
+              <a:schemeClr val="tx1"/>
+            </a:solidFill>
+          </a:ln>
+        </p:spPr>
+        <p:txBody>
+          <a:bodyPr wrap="square" rtlCol="0" anchor="ctr">
+            <a:spAutoFit/>
+          </a:bodyPr>
+          <a:lstStyle/>
+          <a:p>
+            <a:pPr algn="ctr"/>
+            <a:r>
+              <a:rPr lang="en-US" sz="1200" dirty="0" smtClean="0"/>
+              <a:t>Views</a:t>
+            </a:r>
+            <a:endParaRPr lang="en-US" sz="1200" dirty="0"/>
+          </a:p>
+        </p:txBody>
+      </p:sp>
+      <p:sp>
+        <p:nvSpPr>
+          <p:cNvPr id="21" name="TextBox 20"/>
+          <p:cNvSpPr txBox="1"/>
+          <p:nvPr/>
+        </p:nvSpPr>
+        <p:spPr>
+          <a:xfrm>
+            <a:off x="1447800" y="3886200"/>
+            <a:ext cx="990600" cy="461665"/>
+          </a:xfrm>
+          <a:prstGeom prst="rect">
+            <a:avLst/>
+          </a:prstGeom>
+          <a:solidFill>
+            <a:schemeClr val="bg1">
+              <a:lumMod val="75000"/>
+            </a:schemeClr>
+          </a:solidFill>
+          <a:ln w="3175">
+            <a:solidFill>
+              <a:schemeClr val="tx1"/>
+            </a:solidFill>
+          </a:ln>
+        </p:spPr>
+        <p:txBody>
+          <a:bodyPr wrap="square" rtlCol="0" anchor="ctr">
+            <a:spAutoFit/>
+          </a:bodyPr>
+          <a:lstStyle/>
+          <a:p>
+            <a:pPr algn="ctr"/>
+            <a:r>
+              <a:rPr lang="en-US" sz="1200" dirty="0" smtClean="0"/>
+              <a:t>EMF Data Models</a:t>
+            </a:r>
+            <a:endParaRPr lang="en-US" sz="1200" dirty="0"/>
+          </a:p>
+        </p:txBody>
+      </p:sp>
+      <p:sp>
+        <p:nvSpPr>
+          <p:cNvPr id="22" name="TextBox 21"/>
+          <p:cNvSpPr txBox="1"/>
+          <p:nvPr/>
+        </p:nvSpPr>
+        <p:spPr>
+          <a:xfrm>
+            <a:off x="1046202" y="3581400"/>
+            <a:ext cx="553998" cy="762000"/>
+          </a:xfrm>
+          <a:prstGeom prst="rect">
+            <a:avLst/>
+          </a:prstGeom>
+          <a:solidFill>
+            <a:schemeClr val="bg1">
+              <a:lumMod val="75000"/>
+            </a:schemeClr>
+          </a:solidFill>
+          <a:ln w="3175">
+            <a:solidFill>
+              <a:schemeClr val="tx1"/>
+            </a:solidFill>
+          </a:ln>
+        </p:spPr>
+        <p:txBody>
+          <a:bodyPr vert="eaVert" wrap="square" rtlCol="0" anchor="ctr">
+            <a:spAutoFit/>
+          </a:bodyPr>
+          <a:lstStyle/>
+          <a:p>
+            <a:pPr algn="ctr"/>
+            <a:r>
+              <a:rPr lang="en-US" sz="1200" dirty="0" smtClean="0"/>
+              <a:t>HTTP Recorder</a:t>
+            </a:r>
+            <a:endParaRPr lang="en-US" sz="1200" dirty="0"/>
+          </a:p>
+        </p:txBody>
+      </p:sp>
+      <p:sp>
+        <p:nvSpPr>
+          <p:cNvPr id="23" name="Rounded Rectangle 22"/>
+          <p:cNvSpPr/>
+          <p:nvPr/>
+        </p:nvSpPr>
+        <p:spPr>
+          <a:xfrm>
+            <a:off x="990600" y="4572000"/>
+            <a:ext cx="2057400" cy="533400"/>
+          </a:xfrm>
+          <a:prstGeom prst="roundRect">
+            <a:avLst>
+              <a:gd name="adj" fmla="val 5264"/>
+            </a:avLst>
+          </a:prstGeom>
+          <a:solidFill>
+            <a:schemeClr val="bg1">
+              <a:lumMod val="95000"/>
+            </a:schemeClr>
+          </a:solidFill>
+          <a:ln w="3175"/>
+        </p:spPr>
+        <p:style>
+          <a:lnRef idx="2">
+            <a:schemeClr val="accent1">
+              <a:shade val="50000"/>
+            </a:schemeClr>
+          </a:lnRef>
+          <a:fillRef idx="1">
+            <a:schemeClr val="accent1"/>
+          </a:fillRef>
+          <a:effectRef idx="0">
+            <a:schemeClr val="accent1"/>
+          </a:effectRef>
+          <a:fontRef idx="minor">
+            <a:schemeClr val="lt1"/>
+          </a:fontRef>
+        </p:style>
+        <p:txBody>
+          <a:bodyPr rtlCol="0" anchor="ctr"/>
+          <a:lstStyle/>
+          <a:p>
+            <a:pPr algn="ctr"/>
+            <a:r>
+              <a:rPr lang="en-US" sz="1200" dirty="0" smtClean="0">
+                <a:solidFill>
+                  <a:schemeClr val="tx1"/>
+                </a:solidFill>
+              </a:rPr>
+              <a:t>Eclipse</a:t>
+            </a:r>
+            <a:endParaRPr lang="en-US" sz="1200" dirty="0">
+              <a:solidFill>
+                <a:schemeClr val="tx1"/>
+              </a:solidFill>
+            </a:endParaRPr>
+          </a:p>
+        </p:txBody>
+      </p:sp>
+      <p:sp>
+        <p:nvSpPr>
+          <p:cNvPr id="24" name="Rounded Rectangle 23"/>
+          <p:cNvSpPr/>
+          <p:nvPr/>
+        </p:nvSpPr>
+        <p:spPr>
+          <a:xfrm>
+            <a:off x="990600" y="2133600"/>
+            <a:ext cx="2057400" cy="457200"/>
+          </a:xfrm>
+          <a:prstGeom prst="roundRect">
+            <a:avLst>
+              <a:gd name="adj" fmla="val 5264"/>
+            </a:avLst>
+          </a:prstGeom>
+          <a:solidFill>
+            <a:schemeClr val="bg1">
+              <a:lumMod val="95000"/>
+            </a:schemeClr>
+          </a:solidFill>
+          <a:ln w="3175"/>
+        </p:spPr>
+        <p:style>
+          <a:lnRef idx="2">
+            <a:schemeClr val="accent1">
+              <a:shade val="50000"/>
+            </a:schemeClr>
+          </a:lnRef>
+          <a:fillRef idx="1">
+            <a:schemeClr val="accent1"/>
+          </a:fillRef>
+          <a:effectRef idx="0">
+            <a:schemeClr val="accent1"/>
+          </a:effectRef>
+          <a:fontRef idx="minor">
+            <a:schemeClr val="lt1"/>
+          </a:fontRef>
+        </p:style>
+        <p:txBody>
+          <a:bodyPr rtlCol="0" anchor="ctr"/>
+          <a:lstStyle/>
+          <a:p>
+            <a:pPr algn="ctr"/>
+            <a:endParaRPr lang="en-US" sz="1200"/>
+          </a:p>
+        </p:txBody>
+      </p:sp>
+      <p:sp>
+        <p:nvSpPr>
+          <p:cNvPr id="25" name="TextBox 24"/>
+          <p:cNvSpPr txBox="1"/>
+          <p:nvPr/>
+        </p:nvSpPr>
+        <p:spPr>
+          <a:xfrm>
+            <a:off x="1066800" y="2209800"/>
+            <a:ext cx="1905000" cy="276999"/>
+          </a:xfrm>
+          <a:prstGeom prst="rect">
+            <a:avLst/>
+          </a:prstGeom>
+          <a:noFill/>
+        </p:spPr>
+        <p:txBody>
+          <a:bodyPr wrap="square" rtlCol="0">
+            <a:spAutoFit/>
+          </a:bodyPr>
+          <a:lstStyle/>
+          <a:p>
+            <a:pPr algn="ctr"/>
+            <a:r>
+              <a:rPr lang="en-US" sz="1200" dirty="0" smtClean="0"/>
+              <a:t>IPOT</a:t>
+            </a:r>
+            <a:endParaRPr lang="en-US" sz="1200" dirty="0"/>
+          </a:p>
+        </p:txBody>
+      </p:sp>
+      <p:sp>
+        <p:nvSpPr>
+          <p:cNvPr id="26" name="Rounded Rectangle 25"/>
+          <p:cNvSpPr/>
+          <p:nvPr/>
+        </p:nvSpPr>
+        <p:spPr>
+          <a:xfrm>
+            <a:off x="5257800" y="1295400"/>
+            <a:ext cx="3124200" cy="4114800"/>
+          </a:xfrm>
+          <a:prstGeom prst="roundRect">
+            <a:avLst>
+              <a:gd name="adj" fmla="val 4036"/>
+            </a:avLst>
+          </a:prstGeom>
+          <a:solidFill>
+            <a:schemeClr val="bg1">
+              <a:lumMod val="85000"/>
+            </a:schemeClr>
+          </a:solidFill>
+          <a:ln w="6350"/>
+        </p:spPr>
+        <p:style>
+          <a:lnRef idx="2">
+            <a:schemeClr val="accent1">
+              <a:shade val="50000"/>
+            </a:schemeClr>
+          </a:lnRef>
+          <a:fillRef idx="1">
+            <a:schemeClr val="accent1"/>
+          </a:fillRef>
+          <a:effectRef idx="0">
+            <a:schemeClr val="accent1"/>
+          </a:effectRef>
+          <a:fontRef idx="minor">
+            <a:schemeClr val="lt1"/>
+          </a:fontRef>
+        </p:style>
+        <p:txBody>
+          <a:bodyPr rtlCol="0" anchor="ctr"/>
+          <a:lstStyle/>
+          <a:p>
+            <a:pPr algn="ctr"/>
+            <a:endParaRPr lang="en-US"/>
+          </a:p>
+        </p:txBody>
+      </p:sp>
+      <p:sp>
+        <p:nvSpPr>
+          <p:cNvPr id="27" name="TextBox 26"/>
+          <p:cNvSpPr txBox="1"/>
+          <p:nvPr/>
+        </p:nvSpPr>
+        <p:spPr>
+          <a:xfrm>
+            <a:off x="5791200" y="1371600"/>
+            <a:ext cx="2133600" cy="369332"/>
+          </a:xfrm>
+          <a:prstGeom prst="rect">
+            <a:avLst/>
+          </a:prstGeom>
+          <a:noFill/>
+        </p:spPr>
+        <p:txBody>
+          <a:bodyPr wrap="square" rtlCol="0">
+            <a:spAutoFit/>
+          </a:bodyPr>
+          <a:lstStyle/>
+          <a:p>
+            <a:pPr algn="ctr"/>
+            <a:r>
+              <a:rPr lang="en-US" dirty="0" smtClean="0"/>
+              <a:t>Target System</a:t>
+            </a:r>
+            <a:endParaRPr lang="en-US" dirty="0"/>
+          </a:p>
+        </p:txBody>
+      </p:sp>
+      <p:sp>
+        <p:nvSpPr>
+          <p:cNvPr id="28" name="Rounded Rectangle 27"/>
+          <p:cNvSpPr/>
+          <p:nvPr/>
+        </p:nvSpPr>
+        <p:spPr>
+          <a:xfrm>
+            <a:off x="5334000" y="1905000"/>
+            <a:ext cx="685800" cy="3352800"/>
+          </a:xfrm>
+          <a:prstGeom prst="roundRect">
+            <a:avLst>
+              <a:gd name="adj" fmla="val 5264"/>
+            </a:avLst>
+          </a:prstGeom>
+          <a:solidFill>
+            <a:schemeClr val="bg1">
+              <a:lumMod val="95000"/>
+            </a:schemeClr>
+          </a:solidFill>
+          <a:ln w="3175"/>
+        </p:spPr>
+        <p:style>
+          <a:lnRef idx="2">
+            <a:schemeClr val="accent1">
+              <a:shade val="50000"/>
+            </a:schemeClr>
+          </a:lnRef>
+          <a:fillRef idx="1">
+            <a:schemeClr val="accent1"/>
+          </a:fillRef>
+          <a:effectRef idx="0">
+            <a:schemeClr val="accent1"/>
+          </a:effectRef>
+          <a:fontRef idx="minor">
+            <a:schemeClr val="lt1"/>
+          </a:fontRef>
+        </p:style>
+        <p:txBody>
+          <a:bodyPr rtlCol="0" anchor="t"/>
+          <a:lstStyle/>
+          <a:p>
+            <a:pPr algn="ctr"/>
+            <a:r>
+              <a:rPr lang="en-US" sz="1200" dirty="0" smtClean="0">
+                <a:solidFill>
+                  <a:schemeClr val="tx1"/>
+                </a:solidFill>
+              </a:rPr>
+              <a:t>Agent Controller</a:t>
+            </a:r>
+            <a:endParaRPr lang="en-US" sz="1200" dirty="0">
+              <a:solidFill>
+                <a:schemeClr val="tx1"/>
+              </a:solidFill>
+            </a:endParaRPr>
+          </a:p>
+        </p:txBody>
+      </p:sp>
+      <p:sp>
+        <p:nvSpPr>
+          <p:cNvPr id="29" name="Rounded Rectangle 28"/>
+          <p:cNvSpPr/>
+          <p:nvPr/>
+        </p:nvSpPr>
+        <p:spPr>
+          <a:xfrm>
+            <a:off x="7696200" y="1905000"/>
+            <a:ext cx="609600" cy="1295400"/>
+          </a:xfrm>
+          <a:prstGeom prst="roundRect">
+            <a:avLst>
+              <a:gd name="adj" fmla="val 5264"/>
+            </a:avLst>
+          </a:prstGeom>
+          <a:solidFill>
+            <a:schemeClr val="bg1">
+              <a:lumMod val="95000"/>
+            </a:schemeClr>
+          </a:solidFill>
+          <a:ln w="3175"/>
+        </p:spPr>
+        <p:style>
+          <a:lnRef idx="2">
+            <a:schemeClr val="accent1">
+              <a:shade val="50000"/>
+            </a:schemeClr>
+          </a:lnRef>
+          <a:fillRef idx="1">
+            <a:schemeClr val="accent1"/>
+          </a:fillRef>
+          <a:effectRef idx="0">
+            <a:schemeClr val="accent1"/>
+          </a:effectRef>
+          <a:fontRef idx="minor">
+            <a:schemeClr val="lt1"/>
+          </a:fontRef>
+        </p:style>
+        <p:txBody>
+          <a:bodyPr vert="eaVert" rtlCol="0" anchor="ctr"/>
+          <a:lstStyle/>
+          <a:p>
+            <a:pPr algn="ctr"/>
+            <a:r>
+              <a:rPr lang="en-US" sz="1200" dirty="0" smtClean="0">
+                <a:solidFill>
+                  <a:schemeClr val="tx1"/>
+                </a:solidFill>
+              </a:rPr>
+              <a:t>Application</a:t>
+            </a:r>
+            <a:endParaRPr lang="en-US" sz="1200" dirty="0">
+              <a:solidFill>
+                <a:schemeClr val="tx1"/>
+              </a:solidFill>
+            </a:endParaRPr>
+          </a:p>
+        </p:txBody>
+      </p:sp>
+      <p:sp>
+        <p:nvSpPr>
+          <p:cNvPr id="30" name="Rounded Rectangle 29"/>
+          <p:cNvSpPr/>
+          <p:nvPr/>
+        </p:nvSpPr>
+        <p:spPr>
+          <a:xfrm>
+            <a:off x="6096000" y="1905000"/>
+            <a:ext cx="1600200" cy="1295400"/>
+          </a:xfrm>
+          <a:prstGeom prst="roundRect">
+            <a:avLst>
+              <a:gd name="adj" fmla="val 5264"/>
+            </a:avLst>
+          </a:prstGeom>
+          <a:solidFill>
+            <a:schemeClr val="bg1">
+              <a:lumMod val="95000"/>
+            </a:schemeClr>
+          </a:solidFill>
+          <a:ln w="3175"/>
+        </p:spPr>
+        <p:style>
+          <a:lnRef idx="2">
+            <a:schemeClr val="accent1">
+              <a:shade val="50000"/>
+            </a:schemeClr>
+          </a:lnRef>
+          <a:fillRef idx="1">
+            <a:schemeClr val="accent1"/>
+          </a:fillRef>
+          <a:effectRef idx="0">
+            <a:schemeClr val="accent1"/>
+          </a:effectRef>
+          <a:fontRef idx="minor">
+            <a:schemeClr val="lt1"/>
+          </a:fontRef>
+        </p:style>
+        <p:txBody>
+          <a:bodyPr rtlCol="0" anchor="ctr"/>
+          <a:lstStyle/>
+          <a:p>
+            <a:pPr algn="ctr"/>
+            <a:r>
+              <a:rPr lang="en-US" sz="1200" dirty="0" smtClean="0">
+                <a:solidFill>
+                  <a:schemeClr val="tx1"/>
+                </a:solidFill>
+              </a:rPr>
+              <a:t>Execution Environment</a:t>
+            </a:r>
+          </a:p>
+          <a:p>
+            <a:pPr algn="ctr"/>
+            <a:endParaRPr lang="en-US" sz="1200" dirty="0" smtClean="0">
+              <a:solidFill>
+                <a:schemeClr val="tx1"/>
+              </a:solidFill>
+            </a:endParaRPr>
+          </a:p>
+          <a:p>
+            <a:pPr algn="ctr"/>
+            <a:endParaRPr lang="en-US" sz="1200" dirty="0" smtClean="0">
+              <a:solidFill>
+                <a:schemeClr val="tx1"/>
+              </a:solidFill>
+            </a:endParaRPr>
+          </a:p>
+          <a:p>
+            <a:pPr algn="ctr"/>
+            <a:endParaRPr lang="en-US" sz="1200" dirty="0" smtClean="0">
+              <a:solidFill>
+                <a:schemeClr val="tx1"/>
+              </a:solidFill>
+            </a:endParaRPr>
+          </a:p>
+          <a:p>
+            <a:pPr algn="ctr"/>
+            <a:endParaRPr lang="en-US" sz="1200" dirty="0">
+              <a:solidFill>
+                <a:schemeClr val="tx1"/>
+              </a:solidFill>
+            </a:endParaRPr>
+          </a:p>
+        </p:txBody>
+      </p:sp>
+      <p:sp>
+        <p:nvSpPr>
+          <p:cNvPr id="31" name="Rounded Rectangle 30"/>
+          <p:cNvSpPr/>
+          <p:nvPr/>
+        </p:nvSpPr>
+        <p:spPr>
+          <a:xfrm>
+            <a:off x="6248400" y="2438400"/>
+            <a:ext cx="609600" cy="304800"/>
+          </a:xfrm>
+          <a:prstGeom prst="roundRect">
+            <a:avLst>
+              <a:gd name="adj" fmla="val 5264"/>
+            </a:avLst>
+          </a:prstGeom>
+          <a:solidFill>
+            <a:schemeClr val="bg1">
+              <a:lumMod val="95000"/>
+            </a:schemeClr>
+          </a:solidFill>
+          <a:ln w="3175"/>
+        </p:spPr>
+        <p:style>
+          <a:lnRef idx="2">
+            <a:schemeClr val="accent1">
+              <a:shade val="50000"/>
+            </a:schemeClr>
+          </a:lnRef>
+          <a:fillRef idx="1">
+            <a:schemeClr val="accent1"/>
+          </a:fillRef>
+          <a:effectRef idx="0">
+            <a:schemeClr val="accent1"/>
+          </a:effectRef>
+          <a:fontRef idx="minor">
+            <a:schemeClr val="lt1"/>
+          </a:fontRef>
+        </p:style>
+        <p:txBody>
+          <a:bodyPr rtlCol="0" anchor="ctr"/>
+          <a:lstStyle/>
+          <a:p>
+            <a:pPr algn="ctr"/>
+            <a:r>
+              <a:rPr lang="en-US" sz="1200" dirty="0" smtClean="0">
+                <a:solidFill>
+                  <a:schemeClr val="tx1"/>
+                </a:solidFill>
+              </a:rPr>
+              <a:t>JVMPI</a:t>
+            </a:r>
+            <a:endParaRPr lang="en-US" sz="1200" dirty="0">
+              <a:solidFill>
+                <a:schemeClr val="tx1"/>
+              </a:solidFill>
+            </a:endParaRPr>
+          </a:p>
+        </p:txBody>
+      </p:sp>
+      <p:sp>
+        <p:nvSpPr>
+          <p:cNvPr id="32" name="Rounded Rectangle 31"/>
+          <p:cNvSpPr/>
+          <p:nvPr/>
+        </p:nvSpPr>
+        <p:spPr>
+          <a:xfrm>
+            <a:off x="6934200" y="2438400"/>
+            <a:ext cx="609600" cy="304800"/>
+          </a:xfrm>
+          <a:prstGeom prst="roundRect">
+            <a:avLst>
+              <a:gd name="adj" fmla="val 5264"/>
+            </a:avLst>
+          </a:prstGeom>
+          <a:solidFill>
+            <a:schemeClr val="bg1">
+              <a:lumMod val="95000"/>
+            </a:schemeClr>
+          </a:solidFill>
+          <a:ln w="3175"/>
+        </p:spPr>
+        <p:style>
+          <a:lnRef idx="2">
+            <a:schemeClr val="accent1">
+              <a:shade val="50000"/>
+            </a:schemeClr>
+          </a:lnRef>
+          <a:fillRef idx="1">
+            <a:schemeClr val="accent1"/>
+          </a:fillRef>
+          <a:effectRef idx="0">
+            <a:schemeClr val="accent1"/>
+          </a:effectRef>
+          <a:fontRef idx="minor">
+            <a:schemeClr val="lt1"/>
+          </a:fontRef>
+        </p:style>
+        <p:txBody>
+          <a:bodyPr rtlCol="0" anchor="ctr"/>
+          <a:lstStyle/>
+          <a:p>
+            <a:pPr algn="ctr"/>
+            <a:r>
+              <a:rPr lang="en-US" sz="1200" dirty="0" smtClean="0">
+                <a:solidFill>
+                  <a:schemeClr val="tx1"/>
+                </a:solidFill>
+              </a:rPr>
+              <a:t>JITI</a:t>
+            </a:r>
+            <a:endParaRPr lang="en-US" sz="1200" dirty="0">
+              <a:solidFill>
+                <a:schemeClr val="tx1"/>
+              </a:solidFill>
+            </a:endParaRPr>
+          </a:p>
+        </p:txBody>
+      </p:sp>
+      <p:sp>
+        <p:nvSpPr>
+          <p:cNvPr id="33" name="Rounded Rectangle 32"/>
+          <p:cNvSpPr/>
+          <p:nvPr/>
+        </p:nvSpPr>
+        <p:spPr>
+          <a:xfrm>
+            <a:off x="6248400" y="2819400"/>
+            <a:ext cx="1295400" cy="304800"/>
+          </a:xfrm>
+          <a:prstGeom prst="roundRect">
+            <a:avLst>
+              <a:gd name="adj" fmla="val 5264"/>
+            </a:avLst>
+          </a:prstGeom>
+          <a:solidFill>
+            <a:schemeClr val="bg1">
+              <a:lumMod val="95000"/>
+            </a:schemeClr>
+          </a:solidFill>
+          <a:ln w="3175"/>
+        </p:spPr>
+        <p:style>
+          <a:lnRef idx="2">
+            <a:schemeClr val="accent1">
+              <a:shade val="50000"/>
+            </a:schemeClr>
+          </a:lnRef>
+          <a:fillRef idx="1">
+            <a:schemeClr val="accent1"/>
+          </a:fillRef>
+          <a:effectRef idx="0">
+            <a:schemeClr val="accent1"/>
+          </a:effectRef>
+          <a:fontRef idx="minor">
+            <a:schemeClr val="lt1"/>
+          </a:fontRef>
+        </p:style>
+        <p:txBody>
+          <a:bodyPr rtlCol="0" anchor="ctr"/>
+          <a:lstStyle/>
+          <a:p>
+            <a:pPr algn="ctr"/>
+            <a:r>
+              <a:rPr lang="en-US" sz="1200" dirty="0" smtClean="0">
+                <a:solidFill>
+                  <a:schemeClr val="tx1"/>
+                </a:solidFill>
+              </a:rPr>
+              <a:t>PI </a:t>
+            </a:r>
+            <a:r>
+              <a:rPr lang="en-US" sz="1200" dirty="0" err="1" smtClean="0">
+                <a:solidFill>
+                  <a:schemeClr val="tx1"/>
+                </a:solidFill>
+              </a:rPr>
+              <a:t>Virtualizer</a:t>
+            </a:r>
+            <a:endParaRPr lang="en-US" sz="1200" dirty="0">
+              <a:solidFill>
+                <a:schemeClr val="tx1"/>
+              </a:solidFill>
+            </a:endParaRPr>
+          </a:p>
+        </p:txBody>
+      </p:sp>
+      <p:sp>
+        <p:nvSpPr>
+          <p:cNvPr id="35" name="TextBox 34"/>
+          <p:cNvSpPr txBox="1"/>
+          <p:nvPr/>
+        </p:nvSpPr>
+        <p:spPr>
+          <a:xfrm>
+            <a:off x="5410200" y="2590800"/>
+            <a:ext cx="553998" cy="1066800"/>
+          </a:xfrm>
+          <a:prstGeom prst="rect">
+            <a:avLst/>
+          </a:prstGeom>
+          <a:noFill/>
+          <a:ln w="3175">
+            <a:solidFill>
+              <a:schemeClr val="tx1"/>
+            </a:solidFill>
+          </a:ln>
+        </p:spPr>
+        <p:txBody>
+          <a:bodyPr vert="eaVert" wrap="square" rtlCol="0">
+            <a:spAutoFit/>
+          </a:bodyPr>
+          <a:lstStyle/>
+          <a:p>
+            <a:pPr algn="ctr"/>
+            <a:r>
+              <a:rPr lang="en-US" sz="1200" dirty="0" smtClean="0"/>
+              <a:t>Agent Control Interface</a:t>
+            </a:r>
+            <a:endParaRPr lang="en-US" sz="1200" dirty="0"/>
+          </a:p>
+        </p:txBody>
+      </p:sp>
+      <p:sp>
+        <p:nvSpPr>
+          <p:cNvPr id="36" name="TextBox 35"/>
+          <p:cNvSpPr txBox="1"/>
+          <p:nvPr/>
+        </p:nvSpPr>
+        <p:spPr>
+          <a:xfrm>
+            <a:off x="5410200" y="3810000"/>
+            <a:ext cx="553998" cy="1066800"/>
+          </a:xfrm>
+          <a:prstGeom prst="rect">
+            <a:avLst/>
+          </a:prstGeom>
+          <a:noFill/>
+          <a:ln w="3175">
+            <a:solidFill>
+              <a:schemeClr val="tx1"/>
+            </a:solidFill>
+          </a:ln>
+        </p:spPr>
+        <p:txBody>
+          <a:bodyPr vert="eaVert" wrap="square" rtlCol="0">
+            <a:spAutoFit/>
+          </a:bodyPr>
+          <a:lstStyle/>
+          <a:p>
+            <a:pPr algn="ctr"/>
+            <a:r>
+              <a:rPr lang="en-US" sz="1200" dirty="0" smtClean="0"/>
+              <a:t>Data Collection Interface</a:t>
+            </a:r>
+            <a:endParaRPr lang="en-US" sz="1200" dirty="0"/>
+          </a:p>
+        </p:txBody>
+      </p:sp>
+      <p:sp>
+        <p:nvSpPr>
+          <p:cNvPr id="37" name="Left-Right Arrow 36"/>
+          <p:cNvSpPr/>
+          <p:nvPr/>
+        </p:nvSpPr>
+        <p:spPr>
+          <a:xfrm>
+            <a:off x="3581400" y="2209800"/>
+            <a:ext cx="1828800" cy="762000"/>
+          </a:xfrm>
+          <a:prstGeom prst="leftRightArrow">
+            <a:avLst/>
+          </a:prstGeom>
+          <a:solidFill>
+            <a:schemeClr val="bg1">
+              <a:lumMod val="85000"/>
+            </a:schemeClr>
+          </a:solidFill>
+          <a:ln w="3175"/>
+        </p:spPr>
+        <p:style>
+          <a:lnRef idx="2">
+            <a:schemeClr val="accent1">
+              <a:shade val="50000"/>
+            </a:schemeClr>
+          </a:lnRef>
+          <a:fillRef idx="1">
+            <a:schemeClr val="accent1"/>
+          </a:fillRef>
+          <a:effectRef idx="0">
+            <a:schemeClr val="accent1"/>
+          </a:effectRef>
+          <a:fontRef idx="minor">
+            <a:schemeClr val="lt1"/>
+          </a:fontRef>
+        </p:style>
+        <p:txBody>
+          <a:bodyPr rtlCol="0" anchor="ctr"/>
+          <a:lstStyle/>
+          <a:p>
+            <a:pPr algn="ctr"/>
+            <a:r>
+              <a:rPr lang="en-US" sz="1200" dirty="0" smtClean="0">
+                <a:solidFill>
+                  <a:schemeClr val="tx1"/>
+                </a:solidFill>
+              </a:rPr>
+              <a:t>Distributed</a:t>
+            </a:r>
+          </a:p>
+          <a:p>
+            <a:pPr algn="ctr"/>
+            <a:r>
+              <a:rPr lang="en-US" sz="1200" dirty="0" smtClean="0">
+                <a:solidFill>
+                  <a:schemeClr val="tx1"/>
+                </a:solidFill>
+              </a:rPr>
+              <a:t>Control Framework</a:t>
+            </a:r>
+            <a:endParaRPr lang="en-US" sz="1200" dirty="0">
+              <a:solidFill>
+                <a:schemeClr val="tx1"/>
+              </a:solidFill>
+            </a:endParaRPr>
+          </a:p>
+        </p:txBody>
+      </p:sp>
+      <p:sp>
+        <p:nvSpPr>
+          <p:cNvPr id="38" name="Left-Right Arrow 37"/>
+          <p:cNvSpPr/>
+          <p:nvPr/>
+        </p:nvSpPr>
+        <p:spPr>
+          <a:xfrm>
+            <a:off x="2971800" y="3733800"/>
+            <a:ext cx="2362200" cy="762000"/>
+          </a:xfrm>
+          <a:prstGeom prst="leftRightArrow">
+            <a:avLst/>
+          </a:prstGeom>
+          <a:solidFill>
+            <a:schemeClr val="bg1">
+              <a:lumMod val="85000"/>
+            </a:schemeClr>
+          </a:solidFill>
+          <a:ln w="3175"/>
+        </p:spPr>
+        <p:style>
+          <a:lnRef idx="2">
+            <a:schemeClr val="accent1">
+              <a:shade val="50000"/>
+            </a:schemeClr>
+          </a:lnRef>
+          <a:fillRef idx="1">
+            <a:schemeClr val="accent1"/>
+          </a:fillRef>
+          <a:effectRef idx="0">
+            <a:schemeClr val="accent1"/>
+          </a:effectRef>
+          <a:fontRef idx="minor">
+            <a:schemeClr val="lt1"/>
+          </a:fontRef>
+        </p:style>
+        <p:txBody>
+          <a:bodyPr rtlCol="0" anchor="ctr"/>
+          <a:lstStyle/>
+          <a:p>
+            <a:pPr algn="ctr"/>
+            <a:r>
+              <a:rPr lang="en-US" sz="1200" dirty="0" smtClean="0">
+                <a:solidFill>
+                  <a:schemeClr val="tx1"/>
+                </a:solidFill>
+              </a:rPr>
+              <a:t>Distributed</a:t>
+            </a:r>
+          </a:p>
+          <a:p>
+            <a:pPr algn="ctr"/>
+            <a:r>
+              <a:rPr lang="en-US" sz="1200" dirty="0" smtClean="0">
+                <a:solidFill>
+                  <a:schemeClr val="tx1"/>
+                </a:solidFill>
+              </a:rPr>
+              <a:t>Data Collection Framework</a:t>
+            </a:r>
+            <a:endParaRPr lang="en-US" sz="1200" dirty="0">
+              <a:solidFill>
+                <a:schemeClr val="tx1"/>
+              </a:solidFill>
+            </a:endParaRPr>
+          </a:p>
+        </p:txBody>
+      </p:sp>
+    </p:spTree>
+  </p:cSld>
+  <p:clrMapOvr>
+    <a:masterClrMapping/>
+  </p:clrMapOvr>
+  <p:timing>
+    <p:tnLst>
+      <p:par>
+        <p:cTn id="1" dur="indefinite" restart="never" nodeType="tmRoot"/>
+      </p:par>
+    </p:tnLst>
+  </p:timing>
+</p:sld>
+</file>
+
+<file path=ppt/slides/slide5.xml><?xml version="1.0" encoding="utf-8"?>
+<p:sld xmlns:a="http://schemas.openxmlformats.org/drawingml/2006/main" xmlns:r="http://schemas.openxmlformats.org/officeDocument/2006/relationships" xmlns:p="http://schemas.openxmlformats.org/presentationml/2006/main">
+  <p:cSld>
+    <p:spTree>
+      <p:nvGrpSpPr>
+        <p:cNvPr id="1" name=""/>
+        <p:cNvGrpSpPr/>
+        <p:nvPr/>
+      </p:nvGrpSpPr>
+      <p:grpSpPr>
+        <a:xfrm>
+          <a:off x="0" y="0"/>
+          <a:ext cx="0" cy="0"/>
+          <a:chOff x="0" y="0"/>
+          <a:chExt cx="0" cy="0"/>
+        </a:xfrm>
+      </p:grpSpPr>
+      <p:sp>
+        <p:nvSpPr>
+          <p:cNvPr id="2" name="Title 1"/>
+          <p:cNvSpPr>
+            <a:spLocks noGrp="1"/>
+          </p:cNvSpPr>
+          <p:nvPr>
+            <p:ph type="title"/>
+          </p:nvPr>
+        </p:nvSpPr>
+        <p:spPr/>
+        <p:txBody>
+          <a:bodyPr/>
+          <a:lstStyle/>
+          <a:p>
+            <a:endParaRPr lang="en-US"/>
+          </a:p>
+        </p:txBody>
+      </p:sp>
+      <p:sp>
+        <p:nvSpPr>
+          <p:cNvPr id="3" name="Content Placeholder 2"/>
+          <p:cNvSpPr>
+            <a:spLocks noGrp="1"/>
+          </p:cNvSpPr>
+          <p:nvPr>
+            <p:ph idx="1"/>
+          </p:nvPr>
+        </p:nvSpPr>
+        <p:spPr/>
+        <p:txBody>
+          <a:bodyPr/>
+          <a:lstStyle/>
+          <a:p>
+            <a:endParaRPr lang="en-US"/>
+          </a:p>
+        </p:txBody>
+      </p:sp>
+    </p:spTree>
+  </p:cSld>
+  <p:clrMapOvr>
+    <a:masterClrMapping/>
+  </p:clrMapOvr>
 </p:sld>
 </file>
 

--- a/papers/DRCPA/docs/PerfTest - Overall.pptx
+++ b/papers/DRCPA/docs/PerfTest - Overall.pptx
@@ -7,8 +7,8 @@
   <p:sldIdLst>
     <p:sldId id="256" r:id="rId2"/>
     <p:sldId id="349" r:id="rId3"/>
-    <p:sldId id="350" r:id="rId4"/>
-    <p:sldId id="352" r:id="rId5"/>
+    <p:sldId id="352" r:id="rId4"/>
+    <p:sldId id="350" r:id="rId5"/>
     <p:sldId id="351" r:id="rId6"/>
   </p:sldIdLst>
   <p:sldSz cx="9144000" cy="6858000" type="screen4x3"/>
@@ -298,7 +298,7 @@
             <a:fld id="{C60591B3-B4ED-4C31-8AEF-63EEC6A32F51}" type="datetimeFigureOut">
               <a:rPr lang="en-US" smtClean="0"/>
               <a:pPr/>
-              <a:t>10/5/2009</a:t>
+              <a:t>10/7/2009</a:t>
             </a:fld>
             <a:endParaRPr lang="en-US"/>
           </a:p>
@@ -465,7 +465,7 @@
             <a:fld id="{C60591B3-B4ED-4C31-8AEF-63EEC6A32F51}" type="datetimeFigureOut">
               <a:rPr lang="en-US" smtClean="0"/>
               <a:pPr/>
-              <a:t>10/5/2009</a:t>
+              <a:t>10/7/2009</a:t>
             </a:fld>
             <a:endParaRPr lang="en-US"/>
           </a:p>
@@ -642,7 +642,7 @@
             <a:fld id="{C60591B3-B4ED-4C31-8AEF-63EEC6A32F51}" type="datetimeFigureOut">
               <a:rPr lang="en-US" smtClean="0"/>
               <a:pPr/>
-              <a:t>10/5/2009</a:t>
+              <a:t>10/7/2009</a:t>
             </a:fld>
             <a:endParaRPr lang="en-US"/>
           </a:p>
@@ -809,7 +809,7 @@
             <a:fld id="{C60591B3-B4ED-4C31-8AEF-63EEC6A32F51}" type="datetimeFigureOut">
               <a:rPr lang="en-US" smtClean="0"/>
               <a:pPr/>
-              <a:t>10/5/2009</a:t>
+              <a:t>10/7/2009</a:t>
             </a:fld>
             <a:endParaRPr lang="en-US"/>
           </a:p>
@@ -1057,7 +1057,7 @@
             <a:fld id="{C60591B3-B4ED-4C31-8AEF-63EEC6A32F51}" type="datetimeFigureOut">
               <a:rPr lang="en-US" smtClean="0"/>
               <a:pPr/>
-              <a:t>10/5/2009</a:t>
+              <a:t>10/7/2009</a:t>
             </a:fld>
             <a:endParaRPr lang="en-US"/>
           </a:p>
@@ -1342,7 +1342,7 @@
             <a:fld id="{C60591B3-B4ED-4C31-8AEF-63EEC6A32F51}" type="datetimeFigureOut">
               <a:rPr lang="en-US" smtClean="0"/>
               <a:pPr/>
-              <a:t>10/5/2009</a:t>
+              <a:t>10/7/2009</a:t>
             </a:fld>
             <a:endParaRPr lang="en-US"/>
           </a:p>
@@ -1761,7 +1761,7 @@
             <a:fld id="{C60591B3-B4ED-4C31-8AEF-63EEC6A32F51}" type="datetimeFigureOut">
               <a:rPr lang="en-US" smtClean="0"/>
               <a:pPr/>
-              <a:t>10/5/2009</a:t>
+              <a:t>10/7/2009</a:t>
             </a:fld>
             <a:endParaRPr lang="en-US"/>
           </a:p>
@@ -1876,7 +1876,7 @@
             <a:fld id="{C60591B3-B4ED-4C31-8AEF-63EEC6A32F51}" type="datetimeFigureOut">
               <a:rPr lang="en-US" smtClean="0"/>
               <a:pPr/>
-              <a:t>10/5/2009</a:t>
+              <a:t>10/7/2009</a:t>
             </a:fld>
             <a:endParaRPr lang="en-US"/>
           </a:p>
@@ -1968,7 +1968,7 @@
             <a:fld id="{C60591B3-B4ED-4C31-8AEF-63EEC6A32F51}" type="datetimeFigureOut">
               <a:rPr lang="en-US" smtClean="0"/>
               <a:pPr/>
-              <a:t>10/5/2009</a:t>
+              <a:t>10/7/2009</a:t>
             </a:fld>
             <a:endParaRPr lang="en-US"/>
           </a:p>
@@ -2242,7 +2242,7 @@
             <a:fld id="{C60591B3-B4ED-4C31-8AEF-63EEC6A32F51}" type="datetimeFigureOut">
               <a:rPr lang="en-US" smtClean="0"/>
               <a:pPr/>
-              <a:t>10/5/2009</a:t>
+              <a:t>10/7/2009</a:t>
             </a:fld>
             <a:endParaRPr lang="en-US"/>
           </a:p>
@@ -2492,7 +2492,7 @@
             <a:fld id="{C60591B3-B4ED-4C31-8AEF-63EEC6A32F51}" type="datetimeFigureOut">
               <a:rPr lang="en-US" smtClean="0"/>
               <a:pPr/>
-              <a:t>10/5/2009</a:t>
+              <a:t>10/7/2009</a:t>
             </a:fld>
             <a:endParaRPr lang="en-US"/>
           </a:p>
@@ -2702,7 +2702,7 @@
             <a:fld id="{C60591B3-B4ED-4C31-8AEF-63EEC6A32F51}" type="datetimeFigureOut">
               <a:rPr lang="en-US" smtClean="0"/>
               <a:pPr/>
-              <a:t>10/5/2009</a:t>
+              <a:t>10/7/2009</a:t>
             </a:fld>
             <a:endParaRPr lang="en-US"/>
           </a:p>
@@ -3145,15 +3145,7 @@
           <a:p>
             <a:r>
               <a:rPr lang="en-US" dirty="0" smtClean="0"/>
-              <a:t>Last Updated: </a:t>
-            </a:r>
-            <a:r>
-              <a:rPr lang="en-US" dirty="0" smtClean="0"/>
-              <a:t>Oct. 5, </a:t>
-            </a:r>
-            <a:r>
-              <a:rPr lang="en-US" dirty="0" smtClean="0"/>
-              <a:t>2009</a:t>
+              <a:t>Last Updated: Oct. 5, 2009</a:t>
             </a:r>
             <a:endParaRPr lang="en-US" dirty="0"/>
           </a:p>
@@ -3863,55 +3855,6 @@
       </p:grpSpPr>
       <p:sp>
         <p:nvSpPr>
-          <p:cNvPr id="2" name="Title 1"/>
-          <p:cNvSpPr>
-            <a:spLocks noGrp="1"/>
-          </p:cNvSpPr>
-          <p:nvPr>
-            <p:ph type="title"/>
-          </p:nvPr>
-        </p:nvSpPr>
-        <p:spPr/>
-        <p:txBody>
-          <a:bodyPr/>
-          <a:lstStyle/>
-          <a:p>
-            <a:r>
-              <a:rPr lang="en-US" dirty="0" smtClean="0"/>
-              <a:t>Approach</a:t>
-            </a:r>
-            <a:endParaRPr lang="en-US" dirty="0"/>
-          </a:p>
-        </p:txBody>
-      </p:sp>
-      <p:pic>
-        <p:nvPicPr>
-          <p:cNvPr id="4" name="Picture 2" descr="C:\Documents and Settings\Yoonki\Local Settings\Temporary Internet Files\Content.IE5\3JR7YVV4\j0432599[1].png"/>
-          <p:cNvPicPr>
-            <a:picLocks noChangeAspect="1" noChangeArrowheads="1"/>
-          </p:cNvPicPr>
-          <p:nvPr/>
-        </p:nvPicPr>
-        <p:blipFill>
-          <a:blip r:embed="rId2" cstate="print"/>
-          <a:srcRect/>
-          <a:stretch>
-            <a:fillRect/>
-          </a:stretch>
-        </p:blipFill>
-        <p:spPr bwMode="auto">
-          <a:xfrm>
-            <a:off x="1600200" y="5486400"/>
-            <a:ext cx="609600" cy="609600"/>
-          </a:xfrm>
-          <a:prstGeom prst="rect">
-            <a:avLst/>
-          </a:prstGeom>
-          <a:noFill/>
-        </p:spPr>
-      </p:pic>
-      <p:sp>
-        <p:nvSpPr>
           <p:cNvPr id="8" name="Rounded Rectangle 7"/>
           <p:cNvSpPr/>
           <p:nvPr/>
@@ -3997,8 +3940,8 @@
         </p:nvSpPr>
         <p:spPr>
           <a:xfrm>
-            <a:off x="990600" y="1905000"/>
-            <a:ext cx="2057400" cy="1219200"/>
+            <a:off x="990600" y="2667000"/>
+            <a:ext cx="2057400" cy="457200"/>
           </a:xfrm>
           <a:prstGeom prst="roundRect">
             <a:avLst>
@@ -4045,7 +3988,7 @@
         </p:nvSpPr>
         <p:spPr>
           <a:xfrm>
-            <a:off x="1066800" y="1905000"/>
+            <a:off x="1066800" y="2743200"/>
             <a:ext cx="1905000" cy="276999"/>
           </a:xfrm>
           <a:prstGeom prst="rect">
@@ -4070,124 +4013,14 @@
       </p:sp>
       <p:sp>
         <p:nvSpPr>
-          <p:cNvPr id="12" name="TextBox 11"/>
-          <p:cNvSpPr txBox="1"/>
-          <p:nvPr/>
-        </p:nvSpPr>
-        <p:spPr>
-          <a:xfrm>
-            <a:off x="1066800" y="2209800"/>
-            <a:ext cx="1905000" cy="276999"/>
-          </a:xfrm>
-          <a:prstGeom prst="rect">
-            <a:avLst/>
-          </a:prstGeom>
-          <a:solidFill>
-            <a:schemeClr val="bg1">
-              <a:lumMod val="75000"/>
-            </a:schemeClr>
-          </a:solidFill>
-        </p:spPr>
-        <p:txBody>
-          <a:bodyPr wrap="square" rtlCol="0">
-            <a:spAutoFit/>
-          </a:bodyPr>
-          <a:lstStyle/>
-          <a:p>
-            <a:pPr algn="ctr"/>
-            <a:r>
-              <a:rPr lang="en-US" sz="1200" dirty="0" smtClean="0"/>
-              <a:t>Report Generation</a:t>
-            </a:r>
-            <a:endParaRPr lang="en-US" sz="1200" dirty="0"/>
-          </a:p>
-        </p:txBody>
-      </p:sp>
-      <p:sp>
-        <p:nvSpPr>
-          <p:cNvPr id="13" name="TextBox 12"/>
-          <p:cNvSpPr txBox="1"/>
-          <p:nvPr/>
-        </p:nvSpPr>
-        <p:spPr>
-          <a:xfrm>
-            <a:off x="1066800" y="2514601"/>
-            <a:ext cx="1905000" cy="276999"/>
-          </a:xfrm>
-          <a:prstGeom prst="rect">
-            <a:avLst/>
-          </a:prstGeom>
-          <a:solidFill>
-            <a:schemeClr val="bg1">
-              <a:lumMod val="75000"/>
-            </a:schemeClr>
-          </a:solidFill>
-        </p:spPr>
-        <p:txBody>
-          <a:bodyPr wrap="square" rtlCol="0">
-            <a:spAutoFit/>
-          </a:bodyPr>
-          <a:lstStyle/>
-          <a:p>
-            <a:pPr algn="ctr"/>
-            <a:r>
-              <a:rPr lang="en-US" sz="1200" dirty="0" smtClean="0"/>
-              <a:t>Performance Schedule</a:t>
-            </a:r>
-            <a:endParaRPr lang="en-US" sz="1200" dirty="0"/>
-          </a:p>
-        </p:txBody>
-      </p:sp>
-      <p:sp>
-        <p:nvSpPr>
-          <p:cNvPr id="14" name="TextBox 13"/>
-          <p:cNvSpPr txBox="1"/>
-          <p:nvPr/>
-        </p:nvSpPr>
-        <p:spPr>
-          <a:xfrm>
-            <a:off x="1066800" y="2819400"/>
-            <a:ext cx="1905000" cy="276999"/>
-          </a:xfrm>
-          <a:prstGeom prst="rect">
-            <a:avLst/>
-          </a:prstGeom>
-          <a:solidFill>
-            <a:schemeClr val="bg1">
-              <a:lumMod val="75000"/>
-            </a:schemeClr>
-          </a:solidFill>
-          <a:ln>
-            <a:solidFill>
-              <a:schemeClr val="bg1"/>
-            </a:solidFill>
-          </a:ln>
-        </p:spPr>
-        <p:txBody>
-          <a:bodyPr wrap="square" rtlCol="0">
-            <a:spAutoFit/>
-          </a:bodyPr>
-          <a:lstStyle/>
-          <a:p>
-            <a:pPr algn="ctr"/>
-            <a:r>
-              <a:rPr lang="en-US" sz="1200" dirty="0" smtClean="0"/>
-              <a:t>Performance Test</a:t>
-            </a:r>
-            <a:endParaRPr lang="en-US" sz="1200" dirty="0"/>
-          </a:p>
-        </p:txBody>
-      </p:sp>
-      <p:sp>
-        <p:nvSpPr>
           <p:cNvPr id="15" name="Rounded Rectangle 14"/>
           <p:cNvSpPr/>
           <p:nvPr/>
         </p:nvSpPr>
         <p:spPr>
           <a:xfrm>
-            <a:off x="3200400" y="1905000"/>
-            <a:ext cx="533400" cy="2590800"/>
+            <a:off x="3200400" y="2133600"/>
+            <a:ext cx="533400" cy="2362200"/>
           </a:xfrm>
           <a:prstGeom prst="roundRect">
             <a:avLst>
@@ -4218,7 +4051,7 @@
           </a:fontRef>
         </p:style>
         <p:txBody>
-          <a:bodyPr rtlCol="0" anchor="ctr"/>
+          <a:bodyPr vert="eaVert" rtlCol="0" anchor="ctr"/>
           <a:lstStyle/>
           <a:p>
             <a:pPr algn="ctr"/>
@@ -4303,7 +4136,7 @@
           <a:noFill/>
         </p:spPr>
         <p:txBody>
-          <a:bodyPr wrap="square" rtlCol="0">
+          <a:bodyPr wrap="square" rtlCol="0" anchor="ctr">
             <a:spAutoFit/>
           </a:bodyPr>
           <a:lstStyle/>
@@ -4325,8 +4158,8 @@
         </p:nvSpPr>
         <p:spPr>
           <a:xfrm>
-            <a:off x="2438400" y="3581400"/>
-            <a:ext cx="533400" cy="646331"/>
+            <a:off x="2417802" y="3581400"/>
+            <a:ext cx="553998" cy="762000"/>
           </a:xfrm>
           <a:prstGeom prst="rect">
             <a:avLst/>
@@ -4336,9 +4169,14 @@
               <a:lumMod val="75000"/>
             </a:schemeClr>
           </a:solidFill>
-        </p:spPr>
-        <p:txBody>
-          <a:bodyPr wrap="square" rtlCol="0">
+          <a:ln w="3175">
+            <a:solidFill>
+              <a:schemeClr val="tx1"/>
+            </a:solidFill>
+          </a:ln>
+        </p:spPr>
+        <p:txBody>
+          <a:bodyPr vert="eaVert" wrap="square" rtlCol="0" anchor="ctr">
             <a:spAutoFit/>
           </a:bodyPr>
           <a:lstStyle/>
@@ -4360,8 +4198,8 @@
         </p:nvSpPr>
         <p:spPr>
           <a:xfrm>
-            <a:off x="1295400" y="3810000"/>
-            <a:ext cx="1295400" cy="276999"/>
+            <a:off x="1447800" y="3581400"/>
+            <a:ext cx="990600" cy="276999"/>
           </a:xfrm>
           <a:prstGeom prst="rect">
             <a:avLst/>
@@ -4371,9 +4209,14 @@
               <a:lumMod val="75000"/>
             </a:schemeClr>
           </a:solidFill>
-        </p:spPr>
-        <p:txBody>
-          <a:bodyPr wrap="square" rtlCol="0">
+          <a:ln w="3175">
+            <a:solidFill>
+              <a:schemeClr val="tx1"/>
+            </a:solidFill>
+          </a:ln>
+        </p:spPr>
+        <p:txBody>
+          <a:bodyPr wrap="square" rtlCol="0" anchor="ctr">
             <a:spAutoFit/>
           </a:bodyPr>
           <a:lstStyle/>
@@ -4395,8 +4238,8 @@
         </p:nvSpPr>
         <p:spPr>
           <a:xfrm>
-            <a:off x="1295400" y="4114799"/>
-            <a:ext cx="1295400" cy="276999"/>
+            <a:off x="1447800" y="3886200"/>
+            <a:ext cx="990600" cy="461665"/>
           </a:xfrm>
           <a:prstGeom prst="rect">
             <a:avLst/>
@@ -4406,14 +4249,14 @@
               <a:lumMod val="75000"/>
             </a:schemeClr>
           </a:solidFill>
-          <a:ln>
+          <a:ln w="3175">
             <a:solidFill>
-              <a:schemeClr val="bg1"/>
+              <a:schemeClr val="tx1"/>
             </a:solidFill>
           </a:ln>
         </p:spPr>
         <p:txBody>
-          <a:bodyPr wrap="square" rtlCol="0">
+          <a:bodyPr wrap="square" rtlCol="0" anchor="ctr">
             <a:spAutoFit/>
           </a:bodyPr>
           <a:lstStyle/>
@@ -4435,8 +4278,8 @@
         </p:nvSpPr>
         <p:spPr>
           <a:xfrm>
-            <a:off x="1066800" y="3581400"/>
-            <a:ext cx="533400" cy="646331"/>
+            <a:off x="1046202" y="3581400"/>
+            <a:ext cx="553998" cy="762000"/>
           </a:xfrm>
           <a:prstGeom prst="rect">
             <a:avLst/>
@@ -4446,9 +4289,14 @@
               <a:lumMod val="75000"/>
             </a:schemeClr>
           </a:solidFill>
-        </p:spPr>
-        <p:txBody>
-          <a:bodyPr wrap="square" rtlCol="0">
+          <a:ln w="3175">
+            <a:solidFill>
+              <a:schemeClr val="tx1"/>
+            </a:solidFill>
+          </a:ln>
+        </p:spPr>
+        <p:txBody>
+          <a:bodyPr vert="eaVert" wrap="square" rtlCol="0" anchor="ctr">
             <a:spAutoFit/>
           </a:bodyPr>
           <a:lstStyle/>
@@ -4513,6 +4361,769 @@
                 </a:solidFill>
               </a:rPr>
               <a:t>Eclipse</a:t>
+            </a:r>
+            <a:endParaRPr lang="en-US" sz="1200" dirty="0">
+              <a:solidFill>
+                <a:schemeClr val="tx1"/>
+              </a:solidFill>
+            </a:endParaRPr>
+          </a:p>
+        </p:txBody>
+      </p:sp>
+      <p:sp>
+        <p:nvSpPr>
+          <p:cNvPr id="24" name="Rounded Rectangle 23"/>
+          <p:cNvSpPr/>
+          <p:nvPr/>
+        </p:nvSpPr>
+        <p:spPr>
+          <a:xfrm>
+            <a:off x="990600" y="2133600"/>
+            <a:ext cx="2057400" cy="457200"/>
+          </a:xfrm>
+          <a:prstGeom prst="roundRect">
+            <a:avLst>
+              <a:gd name="adj" fmla="val 5264"/>
+            </a:avLst>
+          </a:prstGeom>
+          <a:solidFill>
+            <a:schemeClr val="bg1">
+              <a:lumMod val="95000"/>
+            </a:schemeClr>
+          </a:solidFill>
+          <a:ln w="3175"/>
+        </p:spPr>
+        <p:style>
+          <a:lnRef idx="2">
+            <a:schemeClr val="accent1">
+              <a:shade val="50000"/>
+            </a:schemeClr>
+          </a:lnRef>
+          <a:fillRef idx="1">
+            <a:schemeClr val="accent1"/>
+          </a:fillRef>
+          <a:effectRef idx="0">
+            <a:schemeClr val="accent1"/>
+          </a:effectRef>
+          <a:fontRef idx="minor">
+            <a:schemeClr val="lt1"/>
+          </a:fontRef>
+        </p:style>
+        <p:txBody>
+          <a:bodyPr rtlCol="0" anchor="ctr"/>
+          <a:lstStyle/>
+          <a:p>
+            <a:pPr algn="ctr"/>
+            <a:endParaRPr lang="en-US" sz="1200"/>
+          </a:p>
+        </p:txBody>
+      </p:sp>
+      <p:sp>
+        <p:nvSpPr>
+          <p:cNvPr id="25" name="TextBox 24"/>
+          <p:cNvSpPr txBox="1"/>
+          <p:nvPr/>
+        </p:nvSpPr>
+        <p:spPr>
+          <a:xfrm>
+            <a:off x="1066800" y="2209800"/>
+            <a:ext cx="1905000" cy="276999"/>
+          </a:xfrm>
+          <a:prstGeom prst="rect">
+            <a:avLst/>
+          </a:prstGeom>
+          <a:noFill/>
+        </p:spPr>
+        <p:txBody>
+          <a:bodyPr wrap="square" rtlCol="0">
+            <a:spAutoFit/>
+          </a:bodyPr>
+          <a:lstStyle/>
+          <a:p>
+            <a:pPr algn="ctr"/>
+            <a:r>
+              <a:rPr lang="en-US" sz="1200" dirty="0" smtClean="0"/>
+              <a:t>IPOT</a:t>
+            </a:r>
+            <a:endParaRPr lang="en-US" sz="1200" dirty="0"/>
+          </a:p>
+        </p:txBody>
+      </p:sp>
+      <p:sp>
+        <p:nvSpPr>
+          <p:cNvPr id="26" name="Rounded Rectangle 25"/>
+          <p:cNvSpPr/>
+          <p:nvPr/>
+        </p:nvSpPr>
+        <p:spPr>
+          <a:xfrm>
+            <a:off x="5257800" y="1295400"/>
+            <a:ext cx="3124200" cy="4114800"/>
+          </a:xfrm>
+          <a:prstGeom prst="roundRect">
+            <a:avLst>
+              <a:gd name="adj" fmla="val 4036"/>
+            </a:avLst>
+          </a:prstGeom>
+          <a:solidFill>
+            <a:schemeClr val="bg1">
+              <a:lumMod val="85000"/>
+            </a:schemeClr>
+          </a:solidFill>
+          <a:ln w="6350"/>
+        </p:spPr>
+        <p:style>
+          <a:lnRef idx="2">
+            <a:schemeClr val="accent1">
+              <a:shade val="50000"/>
+            </a:schemeClr>
+          </a:lnRef>
+          <a:fillRef idx="1">
+            <a:schemeClr val="accent1"/>
+          </a:fillRef>
+          <a:effectRef idx="0">
+            <a:schemeClr val="accent1"/>
+          </a:effectRef>
+          <a:fontRef idx="minor">
+            <a:schemeClr val="lt1"/>
+          </a:fontRef>
+        </p:style>
+        <p:txBody>
+          <a:bodyPr rtlCol="0" anchor="ctr"/>
+          <a:lstStyle/>
+          <a:p>
+            <a:pPr algn="ctr"/>
+            <a:endParaRPr lang="en-US"/>
+          </a:p>
+        </p:txBody>
+      </p:sp>
+      <p:sp>
+        <p:nvSpPr>
+          <p:cNvPr id="27" name="TextBox 26"/>
+          <p:cNvSpPr txBox="1"/>
+          <p:nvPr/>
+        </p:nvSpPr>
+        <p:spPr>
+          <a:xfrm>
+            <a:off x="5791200" y="1371600"/>
+            <a:ext cx="2133600" cy="369332"/>
+          </a:xfrm>
+          <a:prstGeom prst="rect">
+            <a:avLst/>
+          </a:prstGeom>
+          <a:noFill/>
+        </p:spPr>
+        <p:txBody>
+          <a:bodyPr wrap="square" rtlCol="0">
+            <a:spAutoFit/>
+          </a:bodyPr>
+          <a:lstStyle/>
+          <a:p>
+            <a:pPr algn="ctr"/>
+            <a:r>
+              <a:rPr lang="en-US" dirty="0" smtClean="0"/>
+              <a:t>Target System</a:t>
+            </a:r>
+            <a:endParaRPr lang="en-US" dirty="0"/>
+          </a:p>
+        </p:txBody>
+      </p:sp>
+      <p:sp>
+        <p:nvSpPr>
+          <p:cNvPr id="28" name="Rounded Rectangle 27"/>
+          <p:cNvSpPr/>
+          <p:nvPr/>
+        </p:nvSpPr>
+        <p:spPr>
+          <a:xfrm>
+            <a:off x="5334000" y="1905000"/>
+            <a:ext cx="685800" cy="3352800"/>
+          </a:xfrm>
+          <a:prstGeom prst="roundRect">
+            <a:avLst>
+              <a:gd name="adj" fmla="val 5264"/>
+            </a:avLst>
+          </a:prstGeom>
+          <a:solidFill>
+            <a:schemeClr val="bg1">
+              <a:lumMod val="95000"/>
+            </a:schemeClr>
+          </a:solidFill>
+          <a:ln w="3175"/>
+        </p:spPr>
+        <p:style>
+          <a:lnRef idx="2">
+            <a:schemeClr val="accent1">
+              <a:shade val="50000"/>
+            </a:schemeClr>
+          </a:lnRef>
+          <a:fillRef idx="1">
+            <a:schemeClr val="accent1"/>
+          </a:fillRef>
+          <a:effectRef idx="0">
+            <a:schemeClr val="accent1"/>
+          </a:effectRef>
+          <a:fontRef idx="minor">
+            <a:schemeClr val="lt1"/>
+          </a:fontRef>
+        </p:style>
+        <p:txBody>
+          <a:bodyPr rtlCol="0" anchor="t"/>
+          <a:lstStyle/>
+          <a:p>
+            <a:pPr algn="ctr"/>
+            <a:r>
+              <a:rPr lang="en-US" sz="1200" dirty="0" smtClean="0">
+                <a:solidFill>
+                  <a:schemeClr val="tx1"/>
+                </a:solidFill>
+              </a:rPr>
+              <a:t>Agent Controller</a:t>
+            </a:r>
+            <a:endParaRPr lang="en-US" sz="1200" dirty="0">
+              <a:solidFill>
+                <a:schemeClr val="tx1"/>
+              </a:solidFill>
+            </a:endParaRPr>
+          </a:p>
+        </p:txBody>
+      </p:sp>
+      <p:sp>
+        <p:nvSpPr>
+          <p:cNvPr id="29" name="Rounded Rectangle 28"/>
+          <p:cNvSpPr/>
+          <p:nvPr/>
+        </p:nvSpPr>
+        <p:spPr>
+          <a:xfrm>
+            <a:off x="7696200" y="1905000"/>
+            <a:ext cx="609600" cy="1295400"/>
+          </a:xfrm>
+          <a:prstGeom prst="roundRect">
+            <a:avLst>
+              <a:gd name="adj" fmla="val 5264"/>
+            </a:avLst>
+          </a:prstGeom>
+          <a:solidFill>
+            <a:schemeClr val="bg1">
+              <a:lumMod val="95000"/>
+            </a:schemeClr>
+          </a:solidFill>
+          <a:ln w="3175"/>
+        </p:spPr>
+        <p:style>
+          <a:lnRef idx="2">
+            <a:schemeClr val="accent1">
+              <a:shade val="50000"/>
+            </a:schemeClr>
+          </a:lnRef>
+          <a:fillRef idx="1">
+            <a:schemeClr val="accent1"/>
+          </a:fillRef>
+          <a:effectRef idx="0">
+            <a:schemeClr val="accent1"/>
+          </a:effectRef>
+          <a:fontRef idx="minor">
+            <a:schemeClr val="lt1"/>
+          </a:fontRef>
+        </p:style>
+        <p:txBody>
+          <a:bodyPr vert="eaVert" rtlCol="0" anchor="ctr"/>
+          <a:lstStyle/>
+          <a:p>
+            <a:pPr algn="ctr"/>
+            <a:r>
+              <a:rPr lang="en-US" sz="1200" dirty="0" smtClean="0">
+                <a:solidFill>
+                  <a:schemeClr val="tx1"/>
+                </a:solidFill>
+              </a:rPr>
+              <a:t>Application</a:t>
+            </a:r>
+            <a:endParaRPr lang="en-US" sz="1200" dirty="0">
+              <a:solidFill>
+                <a:schemeClr val="tx1"/>
+              </a:solidFill>
+            </a:endParaRPr>
+          </a:p>
+        </p:txBody>
+      </p:sp>
+      <p:sp>
+        <p:nvSpPr>
+          <p:cNvPr id="30" name="Rounded Rectangle 29"/>
+          <p:cNvSpPr/>
+          <p:nvPr/>
+        </p:nvSpPr>
+        <p:spPr>
+          <a:xfrm>
+            <a:off x="6096000" y="1905000"/>
+            <a:ext cx="1600200" cy="1295400"/>
+          </a:xfrm>
+          <a:prstGeom prst="roundRect">
+            <a:avLst>
+              <a:gd name="adj" fmla="val 5264"/>
+            </a:avLst>
+          </a:prstGeom>
+          <a:solidFill>
+            <a:schemeClr val="bg1">
+              <a:lumMod val="95000"/>
+            </a:schemeClr>
+          </a:solidFill>
+          <a:ln w="3175"/>
+        </p:spPr>
+        <p:style>
+          <a:lnRef idx="2">
+            <a:schemeClr val="accent1">
+              <a:shade val="50000"/>
+            </a:schemeClr>
+          </a:lnRef>
+          <a:fillRef idx="1">
+            <a:schemeClr val="accent1"/>
+          </a:fillRef>
+          <a:effectRef idx="0">
+            <a:schemeClr val="accent1"/>
+          </a:effectRef>
+          <a:fontRef idx="minor">
+            <a:schemeClr val="lt1"/>
+          </a:fontRef>
+        </p:style>
+        <p:txBody>
+          <a:bodyPr rtlCol="0" anchor="ctr"/>
+          <a:lstStyle/>
+          <a:p>
+            <a:pPr algn="ctr"/>
+            <a:r>
+              <a:rPr lang="en-US" sz="1200" dirty="0" smtClean="0">
+                <a:solidFill>
+                  <a:schemeClr val="tx1"/>
+                </a:solidFill>
+              </a:rPr>
+              <a:t>Execution Environment</a:t>
+            </a:r>
+          </a:p>
+          <a:p>
+            <a:pPr algn="ctr"/>
+            <a:endParaRPr lang="en-US" sz="1200" dirty="0" smtClean="0">
+              <a:solidFill>
+                <a:schemeClr val="tx1"/>
+              </a:solidFill>
+            </a:endParaRPr>
+          </a:p>
+          <a:p>
+            <a:pPr algn="ctr"/>
+            <a:endParaRPr lang="en-US" sz="1200" dirty="0" smtClean="0">
+              <a:solidFill>
+                <a:schemeClr val="tx1"/>
+              </a:solidFill>
+            </a:endParaRPr>
+          </a:p>
+          <a:p>
+            <a:pPr algn="ctr"/>
+            <a:endParaRPr lang="en-US" sz="1200" dirty="0" smtClean="0">
+              <a:solidFill>
+                <a:schemeClr val="tx1"/>
+              </a:solidFill>
+            </a:endParaRPr>
+          </a:p>
+          <a:p>
+            <a:pPr algn="ctr"/>
+            <a:endParaRPr lang="en-US" sz="1200" dirty="0">
+              <a:solidFill>
+                <a:schemeClr val="tx1"/>
+              </a:solidFill>
+            </a:endParaRPr>
+          </a:p>
+        </p:txBody>
+      </p:sp>
+      <p:sp>
+        <p:nvSpPr>
+          <p:cNvPr id="31" name="Rounded Rectangle 30"/>
+          <p:cNvSpPr/>
+          <p:nvPr/>
+        </p:nvSpPr>
+        <p:spPr>
+          <a:xfrm>
+            <a:off x="6248400" y="2438400"/>
+            <a:ext cx="609600" cy="304800"/>
+          </a:xfrm>
+          <a:prstGeom prst="roundRect">
+            <a:avLst>
+              <a:gd name="adj" fmla="val 5264"/>
+            </a:avLst>
+          </a:prstGeom>
+          <a:solidFill>
+            <a:schemeClr val="bg1">
+              <a:lumMod val="95000"/>
+            </a:schemeClr>
+          </a:solidFill>
+          <a:ln w="3175"/>
+        </p:spPr>
+        <p:style>
+          <a:lnRef idx="2">
+            <a:schemeClr val="accent1">
+              <a:shade val="50000"/>
+            </a:schemeClr>
+          </a:lnRef>
+          <a:fillRef idx="1">
+            <a:schemeClr val="accent1"/>
+          </a:fillRef>
+          <a:effectRef idx="0">
+            <a:schemeClr val="accent1"/>
+          </a:effectRef>
+          <a:fontRef idx="minor">
+            <a:schemeClr val="lt1"/>
+          </a:fontRef>
+        </p:style>
+        <p:txBody>
+          <a:bodyPr rtlCol="0" anchor="ctr"/>
+          <a:lstStyle/>
+          <a:p>
+            <a:pPr algn="ctr"/>
+            <a:r>
+              <a:rPr lang="en-US" sz="1200" dirty="0" smtClean="0">
+                <a:solidFill>
+                  <a:schemeClr val="tx1"/>
+                </a:solidFill>
+              </a:rPr>
+              <a:t>JVMPI</a:t>
+            </a:r>
+            <a:endParaRPr lang="en-US" sz="1200" dirty="0">
+              <a:solidFill>
+                <a:schemeClr val="tx1"/>
+              </a:solidFill>
+            </a:endParaRPr>
+          </a:p>
+        </p:txBody>
+      </p:sp>
+      <p:sp>
+        <p:nvSpPr>
+          <p:cNvPr id="32" name="Rounded Rectangle 31"/>
+          <p:cNvSpPr/>
+          <p:nvPr/>
+        </p:nvSpPr>
+        <p:spPr>
+          <a:xfrm>
+            <a:off x="6934200" y="2438400"/>
+            <a:ext cx="609600" cy="304800"/>
+          </a:xfrm>
+          <a:prstGeom prst="roundRect">
+            <a:avLst>
+              <a:gd name="adj" fmla="val 5264"/>
+            </a:avLst>
+          </a:prstGeom>
+          <a:solidFill>
+            <a:schemeClr val="bg1">
+              <a:lumMod val="95000"/>
+            </a:schemeClr>
+          </a:solidFill>
+          <a:ln w="3175"/>
+        </p:spPr>
+        <p:style>
+          <a:lnRef idx="2">
+            <a:schemeClr val="accent1">
+              <a:shade val="50000"/>
+            </a:schemeClr>
+          </a:lnRef>
+          <a:fillRef idx="1">
+            <a:schemeClr val="accent1"/>
+          </a:fillRef>
+          <a:effectRef idx="0">
+            <a:schemeClr val="accent1"/>
+          </a:effectRef>
+          <a:fontRef idx="minor">
+            <a:schemeClr val="lt1"/>
+          </a:fontRef>
+        </p:style>
+        <p:txBody>
+          <a:bodyPr rtlCol="0" anchor="ctr"/>
+          <a:lstStyle/>
+          <a:p>
+            <a:pPr algn="ctr"/>
+            <a:r>
+              <a:rPr lang="en-US" sz="1200" dirty="0" smtClean="0">
+                <a:solidFill>
+                  <a:schemeClr val="tx1"/>
+                </a:solidFill>
+              </a:rPr>
+              <a:t>JITI</a:t>
+            </a:r>
+            <a:endParaRPr lang="en-US" sz="1200" dirty="0">
+              <a:solidFill>
+                <a:schemeClr val="tx1"/>
+              </a:solidFill>
+            </a:endParaRPr>
+          </a:p>
+        </p:txBody>
+      </p:sp>
+      <p:sp>
+        <p:nvSpPr>
+          <p:cNvPr id="33" name="Rounded Rectangle 32"/>
+          <p:cNvSpPr/>
+          <p:nvPr/>
+        </p:nvSpPr>
+        <p:spPr>
+          <a:xfrm>
+            <a:off x="6248400" y="2819400"/>
+            <a:ext cx="1295400" cy="304800"/>
+          </a:xfrm>
+          <a:prstGeom prst="roundRect">
+            <a:avLst>
+              <a:gd name="adj" fmla="val 5264"/>
+            </a:avLst>
+          </a:prstGeom>
+          <a:solidFill>
+            <a:schemeClr val="bg1">
+              <a:lumMod val="95000"/>
+            </a:schemeClr>
+          </a:solidFill>
+          <a:ln w="3175"/>
+        </p:spPr>
+        <p:style>
+          <a:lnRef idx="2">
+            <a:schemeClr val="accent1">
+              <a:shade val="50000"/>
+            </a:schemeClr>
+          </a:lnRef>
+          <a:fillRef idx="1">
+            <a:schemeClr val="accent1"/>
+          </a:fillRef>
+          <a:effectRef idx="0">
+            <a:schemeClr val="accent1"/>
+          </a:effectRef>
+          <a:fontRef idx="minor">
+            <a:schemeClr val="lt1"/>
+          </a:fontRef>
+        </p:style>
+        <p:txBody>
+          <a:bodyPr rtlCol="0" anchor="ctr"/>
+          <a:lstStyle/>
+          <a:p>
+            <a:pPr algn="ctr"/>
+            <a:r>
+              <a:rPr lang="en-US" sz="1200" dirty="0" smtClean="0">
+                <a:solidFill>
+                  <a:schemeClr val="tx1"/>
+                </a:solidFill>
+              </a:rPr>
+              <a:t>PI </a:t>
+            </a:r>
+            <a:r>
+              <a:rPr lang="en-US" sz="1200" dirty="0" err="1" smtClean="0">
+                <a:solidFill>
+                  <a:schemeClr val="tx1"/>
+                </a:solidFill>
+              </a:rPr>
+              <a:t>Virtualizer</a:t>
+            </a:r>
+            <a:endParaRPr lang="en-US" sz="1200" dirty="0">
+              <a:solidFill>
+                <a:schemeClr val="tx1"/>
+              </a:solidFill>
+            </a:endParaRPr>
+          </a:p>
+        </p:txBody>
+      </p:sp>
+      <p:sp>
+        <p:nvSpPr>
+          <p:cNvPr id="35" name="TextBox 34"/>
+          <p:cNvSpPr txBox="1"/>
+          <p:nvPr/>
+        </p:nvSpPr>
+        <p:spPr>
+          <a:xfrm>
+            <a:off x="5410200" y="2590800"/>
+            <a:ext cx="553998" cy="1066800"/>
+          </a:xfrm>
+          <a:prstGeom prst="rect">
+            <a:avLst/>
+          </a:prstGeom>
+          <a:noFill/>
+          <a:ln w="3175">
+            <a:solidFill>
+              <a:schemeClr val="tx1"/>
+            </a:solidFill>
+          </a:ln>
+        </p:spPr>
+        <p:txBody>
+          <a:bodyPr vert="eaVert" wrap="square" rtlCol="0">
+            <a:spAutoFit/>
+          </a:bodyPr>
+          <a:lstStyle/>
+          <a:p>
+            <a:pPr algn="ctr"/>
+            <a:r>
+              <a:rPr lang="en-US" sz="1200" dirty="0" smtClean="0"/>
+              <a:t>Agent Control Interface</a:t>
+            </a:r>
+            <a:endParaRPr lang="en-US" sz="1200" dirty="0"/>
+          </a:p>
+        </p:txBody>
+      </p:sp>
+      <p:sp>
+        <p:nvSpPr>
+          <p:cNvPr id="36" name="TextBox 35"/>
+          <p:cNvSpPr txBox="1"/>
+          <p:nvPr/>
+        </p:nvSpPr>
+        <p:spPr>
+          <a:xfrm>
+            <a:off x="5410200" y="3810000"/>
+            <a:ext cx="553998" cy="1066800"/>
+          </a:xfrm>
+          <a:prstGeom prst="rect">
+            <a:avLst/>
+          </a:prstGeom>
+          <a:noFill/>
+          <a:ln w="3175">
+            <a:solidFill>
+              <a:schemeClr val="tx1"/>
+            </a:solidFill>
+          </a:ln>
+        </p:spPr>
+        <p:txBody>
+          <a:bodyPr vert="eaVert" wrap="square" rtlCol="0">
+            <a:spAutoFit/>
+          </a:bodyPr>
+          <a:lstStyle/>
+          <a:p>
+            <a:pPr algn="ctr"/>
+            <a:r>
+              <a:rPr lang="en-US" sz="1200" dirty="0" smtClean="0"/>
+              <a:t>Data Collection Interface</a:t>
+            </a:r>
+            <a:endParaRPr lang="en-US" sz="1200" dirty="0"/>
+          </a:p>
+        </p:txBody>
+      </p:sp>
+      <p:sp>
+        <p:nvSpPr>
+          <p:cNvPr id="37" name="Left-Right Arrow 36"/>
+          <p:cNvSpPr/>
+          <p:nvPr/>
+        </p:nvSpPr>
+        <p:spPr>
+          <a:xfrm>
+            <a:off x="3581400" y="2209800"/>
+            <a:ext cx="1828800" cy="762000"/>
+          </a:xfrm>
+          <a:prstGeom prst="leftRightArrow">
+            <a:avLst/>
+          </a:prstGeom>
+          <a:solidFill>
+            <a:schemeClr val="bg1">
+              <a:lumMod val="85000"/>
+            </a:schemeClr>
+          </a:solidFill>
+          <a:ln w="3175"/>
+        </p:spPr>
+        <p:style>
+          <a:lnRef idx="2">
+            <a:schemeClr val="accent1">
+              <a:shade val="50000"/>
+            </a:schemeClr>
+          </a:lnRef>
+          <a:fillRef idx="1">
+            <a:schemeClr val="accent1"/>
+          </a:fillRef>
+          <a:effectRef idx="0">
+            <a:schemeClr val="accent1"/>
+          </a:effectRef>
+          <a:fontRef idx="minor">
+            <a:schemeClr val="lt1"/>
+          </a:fontRef>
+        </p:style>
+        <p:txBody>
+          <a:bodyPr rtlCol="0" anchor="ctr"/>
+          <a:lstStyle/>
+          <a:p>
+            <a:pPr algn="ctr"/>
+            <a:r>
+              <a:rPr lang="en-US" sz="1200" dirty="0" smtClean="0">
+                <a:solidFill>
+                  <a:schemeClr val="tx1"/>
+                </a:solidFill>
+              </a:rPr>
+              <a:t>Distributed</a:t>
+            </a:r>
+          </a:p>
+          <a:p>
+            <a:pPr algn="ctr"/>
+            <a:r>
+              <a:rPr lang="en-US" sz="1200" dirty="0" smtClean="0">
+                <a:solidFill>
+                  <a:schemeClr val="tx1"/>
+                </a:solidFill>
+              </a:rPr>
+              <a:t>Control Framework</a:t>
+            </a:r>
+            <a:endParaRPr lang="en-US" sz="1200" dirty="0">
+              <a:solidFill>
+                <a:schemeClr val="tx1"/>
+              </a:solidFill>
+            </a:endParaRPr>
+          </a:p>
+        </p:txBody>
+      </p:sp>
+      <p:sp>
+        <p:nvSpPr>
+          <p:cNvPr id="38" name="Left-Right Arrow 37"/>
+          <p:cNvSpPr/>
+          <p:nvPr/>
+        </p:nvSpPr>
+        <p:spPr>
+          <a:xfrm>
+            <a:off x="2971800" y="3733800"/>
+            <a:ext cx="2362200" cy="762000"/>
+          </a:xfrm>
+          <a:prstGeom prst="leftRightArrow">
+            <a:avLst/>
+          </a:prstGeom>
+          <a:solidFill>
+            <a:schemeClr val="bg1">
+              <a:lumMod val="85000"/>
+            </a:schemeClr>
+          </a:solidFill>
+          <a:ln w="3175"/>
+        </p:spPr>
+        <p:style>
+          <a:lnRef idx="2">
+            <a:schemeClr val="accent1">
+              <a:shade val="50000"/>
+            </a:schemeClr>
+          </a:lnRef>
+          <a:fillRef idx="1">
+            <a:schemeClr val="accent1"/>
+          </a:fillRef>
+          <a:effectRef idx="0">
+            <a:schemeClr val="accent1"/>
+          </a:effectRef>
+          <a:fontRef idx="minor">
+            <a:schemeClr val="lt1"/>
+          </a:fontRef>
+        </p:style>
+        <p:txBody>
+          <a:bodyPr rtlCol="0" anchor="ctr"/>
+          <a:lstStyle/>
+          <a:p>
+            <a:pPr algn="ctr"/>
+            <a:r>
+              <a:rPr lang="en-US" sz="1200" dirty="0" smtClean="0">
+                <a:solidFill>
+                  <a:schemeClr val="tx1"/>
+                </a:solidFill>
+              </a:rPr>
+              <a:t>Distributed</a:t>
+            </a:r>
+          </a:p>
+          <a:p>
+            <a:pPr algn="ctr"/>
+            <a:r>
+              <a:rPr lang="en-US" sz="1200" dirty="0" smtClean="0">
+                <a:solidFill>
+                  <a:schemeClr val="tx1"/>
+                </a:solidFill>
+              </a:rPr>
+              <a:t>Data Collection Framework</a:t>
             </a:r>
             <a:endParaRPr lang="en-US" sz="1200" dirty="0">
               <a:solidFill>
@@ -4556,6 +5167,55 @@
       </p:grpSpPr>
       <p:sp>
         <p:nvSpPr>
+          <p:cNvPr id="2" name="Title 1"/>
+          <p:cNvSpPr>
+            <a:spLocks noGrp="1"/>
+          </p:cNvSpPr>
+          <p:nvPr>
+            <p:ph type="title"/>
+          </p:nvPr>
+        </p:nvSpPr>
+        <p:spPr/>
+        <p:txBody>
+          <a:bodyPr/>
+          <a:lstStyle/>
+          <a:p>
+            <a:r>
+              <a:rPr lang="en-US" dirty="0" smtClean="0"/>
+              <a:t>Approach</a:t>
+            </a:r>
+            <a:endParaRPr lang="en-US" dirty="0"/>
+          </a:p>
+        </p:txBody>
+      </p:sp>
+      <p:pic>
+        <p:nvPicPr>
+          <p:cNvPr id="4" name="Picture 2" descr="C:\Documents and Settings\Yoonki\Local Settings\Temporary Internet Files\Content.IE5\3JR7YVV4\j0432599[1].png"/>
+          <p:cNvPicPr>
+            <a:picLocks noChangeAspect="1" noChangeArrowheads="1"/>
+          </p:cNvPicPr>
+          <p:nvPr/>
+        </p:nvPicPr>
+        <p:blipFill>
+          <a:blip r:embed="rId2" cstate="print"/>
+          <a:srcRect/>
+          <a:stretch>
+            <a:fillRect/>
+          </a:stretch>
+        </p:blipFill>
+        <p:spPr bwMode="auto">
+          <a:xfrm>
+            <a:off x="1600200" y="5486400"/>
+            <a:ext cx="609600" cy="609600"/>
+          </a:xfrm>
+          <a:prstGeom prst="rect">
+            <a:avLst/>
+          </a:prstGeom>
+          <a:noFill/>
+        </p:spPr>
+      </p:pic>
+      <p:sp>
+        <p:nvSpPr>
           <p:cNvPr id="8" name="Rounded Rectangle 7"/>
           <p:cNvSpPr/>
           <p:nvPr/>
@@ -4641,8 +5301,8 @@
         </p:nvSpPr>
         <p:spPr>
           <a:xfrm>
-            <a:off x="990600" y="2667000"/>
-            <a:ext cx="2057400" cy="457200"/>
+            <a:off x="990600" y="1905000"/>
+            <a:ext cx="2057400" cy="1219200"/>
           </a:xfrm>
           <a:prstGeom prst="roundRect">
             <a:avLst>
@@ -4689,7 +5349,7 @@
         </p:nvSpPr>
         <p:spPr>
           <a:xfrm>
-            <a:off x="1066800" y="2743200"/>
+            <a:off x="1066800" y="1905000"/>
             <a:ext cx="1905000" cy="276999"/>
           </a:xfrm>
           <a:prstGeom prst="rect">
@@ -4714,14 +5374,124 @@
       </p:sp>
       <p:sp>
         <p:nvSpPr>
+          <p:cNvPr id="12" name="TextBox 11"/>
+          <p:cNvSpPr txBox="1"/>
+          <p:nvPr/>
+        </p:nvSpPr>
+        <p:spPr>
+          <a:xfrm>
+            <a:off x="1066800" y="2209800"/>
+            <a:ext cx="1905000" cy="276999"/>
+          </a:xfrm>
+          <a:prstGeom prst="rect">
+            <a:avLst/>
+          </a:prstGeom>
+          <a:solidFill>
+            <a:schemeClr val="bg1">
+              <a:lumMod val="75000"/>
+            </a:schemeClr>
+          </a:solidFill>
+        </p:spPr>
+        <p:txBody>
+          <a:bodyPr wrap="square" rtlCol="0">
+            <a:spAutoFit/>
+          </a:bodyPr>
+          <a:lstStyle/>
+          <a:p>
+            <a:pPr algn="ctr"/>
+            <a:r>
+              <a:rPr lang="en-US" sz="1200" dirty="0" smtClean="0"/>
+              <a:t>Report Generation</a:t>
+            </a:r>
+            <a:endParaRPr lang="en-US" sz="1200" dirty="0"/>
+          </a:p>
+        </p:txBody>
+      </p:sp>
+      <p:sp>
+        <p:nvSpPr>
+          <p:cNvPr id="13" name="TextBox 12"/>
+          <p:cNvSpPr txBox="1"/>
+          <p:nvPr/>
+        </p:nvSpPr>
+        <p:spPr>
+          <a:xfrm>
+            <a:off x="1066800" y="2514601"/>
+            <a:ext cx="1905000" cy="276999"/>
+          </a:xfrm>
+          <a:prstGeom prst="rect">
+            <a:avLst/>
+          </a:prstGeom>
+          <a:solidFill>
+            <a:schemeClr val="bg1">
+              <a:lumMod val="75000"/>
+            </a:schemeClr>
+          </a:solidFill>
+        </p:spPr>
+        <p:txBody>
+          <a:bodyPr wrap="square" rtlCol="0">
+            <a:spAutoFit/>
+          </a:bodyPr>
+          <a:lstStyle/>
+          <a:p>
+            <a:pPr algn="ctr"/>
+            <a:r>
+              <a:rPr lang="en-US" sz="1200" dirty="0" smtClean="0"/>
+              <a:t>Performance Schedule</a:t>
+            </a:r>
+            <a:endParaRPr lang="en-US" sz="1200" dirty="0"/>
+          </a:p>
+        </p:txBody>
+      </p:sp>
+      <p:sp>
+        <p:nvSpPr>
+          <p:cNvPr id="14" name="TextBox 13"/>
+          <p:cNvSpPr txBox="1"/>
+          <p:nvPr/>
+        </p:nvSpPr>
+        <p:spPr>
+          <a:xfrm>
+            <a:off x="1066800" y="2819400"/>
+            <a:ext cx="1905000" cy="276999"/>
+          </a:xfrm>
+          <a:prstGeom prst="rect">
+            <a:avLst/>
+          </a:prstGeom>
+          <a:solidFill>
+            <a:schemeClr val="bg1">
+              <a:lumMod val="75000"/>
+            </a:schemeClr>
+          </a:solidFill>
+          <a:ln>
+            <a:solidFill>
+              <a:schemeClr val="bg1"/>
+            </a:solidFill>
+          </a:ln>
+        </p:spPr>
+        <p:txBody>
+          <a:bodyPr wrap="square" rtlCol="0">
+            <a:spAutoFit/>
+          </a:bodyPr>
+          <a:lstStyle/>
+          <a:p>
+            <a:pPr algn="ctr"/>
+            <a:r>
+              <a:rPr lang="en-US" sz="1200" dirty="0" smtClean="0"/>
+              <a:t>Performance Test</a:t>
+            </a:r>
+            <a:endParaRPr lang="en-US" sz="1200" dirty="0"/>
+          </a:p>
+        </p:txBody>
+      </p:sp>
+      <p:sp>
+        <p:nvSpPr>
           <p:cNvPr id="15" name="Rounded Rectangle 14"/>
           <p:cNvSpPr/>
           <p:nvPr/>
         </p:nvSpPr>
         <p:spPr>
           <a:xfrm>
-            <a:off x="3200400" y="2133600"/>
-            <a:ext cx="533400" cy="2362200"/>
+            <a:off x="3200400" y="1905000"/>
+            <a:ext cx="533400" cy="2590800"/>
           </a:xfrm>
           <a:prstGeom prst="roundRect">
             <a:avLst>
@@ -4752,7 +5522,7 @@
           </a:fontRef>
         </p:style>
         <p:txBody>
-          <a:bodyPr vert="eaVert" rtlCol="0" anchor="ctr"/>
+          <a:bodyPr rtlCol="0" anchor="ctr"/>
           <a:lstStyle/>
           <a:p>
             <a:pPr algn="ctr"/>
@@ -4837,7 +5607,7 @@
           <a:noFill/>
         </p:spPr>
         <p:txBody>
-          <a:bodyPr wrap="square" rtlCol="0" anchor="ctr">
+          <a:bodyPr wrap="square" rtlCol="0">
             <a:spAutoFit/>
           </a:bodyPr>
           <a:lstStyle/>
@@ -4859,8 +5629,8 @@
         </p:nvSpPr>
         <p:spPr>
           <a:xfrm>
-            <a:off x="2417802" y="3581400"/>
-            <a:ext cx="553998" cy="762000"/>
+            <a:off x="2438400" y="3581400"/>
+            <a:ext cx="533400" cy="646331"/>
           </a:xfrm>
           <a:prstGeom prst="rect">
             <a:avLst/>
@@ -4870,14 +5640,9 @@
               <a:lumMod val="75000"/>
             </a:schemeClr>
           </a:solidFill>
-          <a:ln w="3175">
-            <a:solidFill>
-              <a:schemeClr val="tx1"/>
-            </a:solidFill>
-          </a:ln>
-        </p:spPr>
-        <p:txBody>
-          <a:bodyPr vert="eaVert" wrap="square" rtlCol="0" anchor="ctr">
+        </p:spPr>
+        <p:txBody>
+          <a:bodyPr wrap="square" rtlCol="0">
             <a:spAutoFit/>
           </a:bodyPr>
           <a:lstStyle/>
@@ -4899,8 +5664,8 @@
         </p:nvSpPr>
         <p:spPr>
           <a:xfrm>
-            <a:off x="1447800" y="3581400"/>
-            <a:ext cx="990600" cy="276999"/>
+            <a:off x="1295400" y="3810000"/>
+            <a:ext cx="1295400" cy="276999"/>
           </a:xfrm>
           <a:prstGeom prst="rect">
             <a:avLst/>
@@ -4910,14 +5675,9 @@
               <a:lumMod val="75000"/>
             </a:schemeClr>
           </a:solidFill>
-          <a:ln w="3175">
-            <a:solidFill>
-              <a:schemeClr val="tx1"/>
-            </a:solidFill>
-          </a:ln>
-        </p:spPr>
-        <p:txBody>
-          <a:bodyPr wrap="square" rtlCol="0" anchor="ctr">
+        </p:spPr>
+        <p:txBody>
+          <a:bodyPr wrap="square" rtlCol="0">
             <a:spAutoFit/>
           </a:bodyPr>
           <a:lstStyle/>
@@ -4939,8 +5699,8 @@
         </p:nvSpPr>
         <p:spPr>
           <a:xfrm>
-            <a:off x="1447800" y="3886200"/>
-            <a:ext cx="990600" cy="461665"/>
+            <a:off x="1295400" y="4114799"/>
+            <a:ext cx="1295400" cy="276999"/>
           </a:xfrm>
           <a:prstGeom prst="rect">
             <a:avLst/>
@@ -4950,14 +5710,14 @@
               <a:lumMod val="75000"/>
             </a:schemeClr>
           </a:solidFill>
-          <a:ln w="3175">
+          <a:ln>
             <a:solidFill>
-              <a:schemeClr val="tx1"/>
+              <a:schemeClr val="bg1"/>
             </a:solidFill>
           </a:ln>
         </p:spPr>
         <p:txBody>
-          <a:bodyPr wrap="square" rtlCol="0" anchor="ctr">
+          <a:bodyPr wrap="square" rtlCol="0">
             <a:spAutoFit/>
           </a:bodyPr>
           <a:lstStyle/>
@@ -4979,8 +5739,8 @@
         </p:nvSpPr>
         <p:spPr>
           <a:xfrm>
-            <a:off x="1046202" y="3581400"/>
-            <a:ext cx="553998" cy="762000"/>
+            <a:off x="1066800" y="3581400"/>
+            <a:ext cx="533400" cy="646331"/>
           </a:xfrm>
           <a:prstGeom prst="rect">
             <a:avLst/>
@@ -4990,14 +5750,9 @@
               <a:lumMod val="75000"/>
             </a:schemeClr>
           </a:solidFill>
-          <a:ln w="3175">
-            <a:solidFill>
-              <a:schemeClr val="tx1"/>
-            </a:solidFill>
-          </a:ln>
-        </p:spPr>
-        <p:txBody>
-          <a:bodyPr vert="eaVert" wrap="square" rtlCol="0" anchor="ctr">
+        </p:spPr>
+        <p:txBody>
+          <a:bodyPr wrap="square" rtlCol="0">
             <a:spAutoFit/>
           </a:bodyPr>
           <a:lstStyle/>
@@ -5062,769 +5817,6 @@
                 </a:solidFill>
               </a:rPr>
               <a:t>Eclipse</a:t>
-            </a:r>
-            <a:endParaRPr lang="en-US" sz="1200" dirty="0">
-              <a:solidFill>
-                <a:schemeClr val="tx1"/>
-              </a:solidFill>
-            </a:endParaRPr>
-          </a:p>
-        </p:txBody>
-      </p:sp>
-      <p:sp>
-        <p:nvSpPr>
-          <p:cNvPr id="24" name="Rounded Rectangle 23"/>
-          <p:cNvSpPr/>
-          <p:nvPr/>
-        </p:nvSpPr>
-        <p:spPr>
-          <a:xfrm>
-            <a:off x="990600" y="2133600"/>
-            <a:ext cx="2057400" cy="457200"/>
-          </a:xfrm>
-          <a:prstGeom prst="roundRect">
-            <a:avLst>
-              <a:gd name="adj" fmla="val 5264"/>
-            </a:avLst>
-          </a:prstGeom>
-          <a:solidFill>
-            <a:schemeClr val="bg1">
-              <a:lumMod val="95000"/>
-            </a:schemeClr>
-          </a:solidFill>
-          <a:ln w="3175"/>
-        </p:spPr>
-        <p:style>
-          <a:lnRef idx="2">
-            <a:schemeClr val="accent1">
-              <a:shade val="50000"/>
-            </a:schemeClr>
-          </a:lnRef>
-          <a:fillRef idx="1">
-            <a:schemeClr val="accent1"/>
-          </a:fillRef>
-          <a:effectRef idx="0">
-            <a:schemeClr val="accent1"/>
-          </a:effectRef>
-          <a:fontRef idx="minor">
-            <a:schemeClr val="lt1"/>
-          </a:fontRef>
-        </p:style>
-        <p:txBody>
-          <a:bodyPr rtlCol="0" anchor="ctr"/>
-          <a:lstStyle/>
-          <a:p>
-            <a:pPr algn="ctr"/>
-            <a:endParaRPr lang="en-US" sz="1200"/>
-          </a:p>
-        </p:txBody>
-      </p:sp>
-      <p:sp>
-        <p:nvSpPr>
-          <p:cNvPr id="25" name="TextBox 24"/>
-          <p:cNvSpPr txBox="1"/>
-          <p:nvPr/>
-        </p:nvSpPr>
-        <p:spPr>
-          <a:xfrm>
-            <a:off x="1066800" y="2209800"/>
-            <a:ext cx="1905000" cy="276999"/>
-          </a:xfrm>
-          <a:prstGeom prst="rect">
-            <a:avLst/>
-          </a:prstGeom>
-          <a:noFill/>
-        </p:spPr>
-        <p:txBody>
-          <a:bodyPr wrap="square" rtlCol="0">
-            <a:spAutoFit/>
-          </a:bodyPr>
-          <a:lstStyle/>
-          <a:p>
-            <a:pPr algn="ctr"/>
-            <a:r>
-              <a:rPr lang="en-US" sz="1200" dirty="0" smtClean="0"/>
-              <a:t>IPOT</a:t>
-            </a:r>
-            <a:endParaRPr lang="en-US" sz="1200" dirty="0"/>
-          </a:p>
-        </p:txBody>
-      </p:sp>
-      <p:sp>
-        <p:nvSpPr>
-          <p:cNvPr id="26" name="Rounded Rectangle 25"/>
-          <p:cNvSpPr/>
-          <p:nvPr/>
-        </p:nvSpPr>
-        <p:spPr>
-          <a:xfrm>
-            <a:off x="5257800" y="1295400"/>
-            <a:ext cx="3124200" cy="4114800"/>
-          </a:xfrm>
-          <a:prstGeom prst="roundRect">
-            <a:avLst>
-              <a:gd name="adj" fmla="val 4036"/>
-            </a:avLst>
-          </a:prstGeom>
-          <a:solidFill>
-            <a:schemeClr val="bg1">
-              <a:lumMod val="85000"/>
-            </a:schemeClr>
-          </a:solidFill>
-          <a:ln w="6350"/>
-        </p:spPr>
-        <p:style>
-          <a:lnRef idx="2">
-            <a:schemeClr val="accent1">
-              <a:shade val="50000"/>
-            </a:schemeClr>
-          </a:lnRef>
-          <a:fillRef idx="1">
-            <a:schemeClr val="accent1"/>
-          </a:fillRef>
-          <a:effectRef idx="0">
-            <a:schemeClr val="accent1"/>
-          </a:effectRef>
-          <a:fontRef idx="minor">
-            <a:schemeClr val="lt1"/>
-          </a:fontRef>
-        </p:style>
-        <p:txBody>
-          <a:bodyPr rtlCol="0" anchor="ctr"/>
-          <a:lstStyle/>
-          <a:p>
-            <a:pPr algn="ctr"/>
-            <a:endParaRPr lang="en-US"/>
-          </a:p>
-        </p:txBody>
-      </p:sp>
-      <p:sp>
-        <p:nvSpPr>
-          <p:cNvPr id="27" name="TextBox 26"/>
-          <p:cNvSpPr txBox="1"/>
-          <p:nvPr/>
-        </p:nvSpPr>
-        <p:spPr>
-          <a:xfrm>
-            <a:off x="5791200" y="1371600"/>
-            <a:ext cx="2133600" cy="369332"/>
-          </a:xfrm>
-          <a:prstGeom prst="rect">
-            <a:avLst/>
-          </a:prstGeom>
-          <a:noFill/>
-        </p:spPr>
-        <p:txBody>
-          <a:bodyPr wrap="square" rtlCol="0">
-            <a:spAutoFit/>
-          </a:bodyPr>
-          <a:lstStyle/>
-          <a:p>
-            <a:pPr algn="ctr"/>
-            <a:r>
-              <a:rPr lang="en-US" dirty="0" smtClean="0"/>
-              <a:t>Target System</a:t>
-            </a:r>
-            <a:endParaRPr lang="en-US" dirty="0"/>
-          </a:p>
-        </p:txBody>
-      </p:sp>
-      <p:sp>
-        <p:nvSpPr>
-          <p:cNvPr id="28" name="Rounded Rectangle 27"/>
-          <p:cNvSpPr/>
-          <p:nvPr/>
-        </p:nvSpPr>
-        <p:spPr>
-          <a:xfrm>
-            <a:off x="5334000" y="1905000"/>
-            <a:ext cx="685800" cy="3352800"/>
-          </a:xfrm>
-          <a:prstGeom prst="roundRect">
-            <a:avLst>
-              <a:gd name="adj" fmla="val 5264"/>
-            </a:avLst>
-          </a:prstGeom>
-          <a:solidFill>
-            <a:schemeClr val="bg1">
-              <a:lumMod val="95000"/>
-            </a:schemeClr>
-          </a:solidFill>
-          <a:ln w="3175"/>
-        </p:spPr>
-        <p:style>
-          <a:lnRef idx="2">
-            <a:schemeClr val="accent1">
-              <a:shade val="50000"/>
-            </a:schemeClr>
-          </a:lnRef>
-          <a:fillRef idx="1">
-            <a:schemeClr val="accent1"/>
-          </a:fillRef>
-          <a:effectRef idx="0">
-            <a:schemeClr val="accent1"/>
-          </a:effectRef>
-          <a:fontRef idx="minor">
-            <a:schemeClr val="lt1"/>
-          </a:fontRef>
-        </p:style>
-        <p:txBody>
-          <a:bodyPr rtlCol="0" anchor="t"/>
-          <a:lstStyle/>
-          <a:p>
-            <a:pPr algn="ctr"/>
-            <a:r>
-              <a:rPr lang="en-US" sz="1200" dirty="0" smtClean="0">
-                <a:solidFill>
-                  <a:schemeClr val="tx1"/>
-                </a:solidFill>
-              </a:rPr>
-              <a:t>Agent Controller</a:t>
-            </a:r>
-            <a:endParaRPr lang="en-US" sz="1200" dirty="0">
-              <a:solidFill>
-                <a:schemeClr val="tx1"/>
-              </a:solidFill>
-            </a:endParaRPr>
-          </a:p>
-        </p:txBody>
-      </p:sp>
-      <p:sp>
-        <p:nvSpPr>
-          <p:cNvPr id="29" name="Rounded Rectangle 28"/>
-          <p:cNvSpPr/>
-          <p:nvPr/>
-        </p:nvSpPr>
-        <p:spPr>
-          <a:xfrm>
-            <a:off x="7696200" y="1905000"/>
-            <a:ext cx="609600" cy="1295400"/>
-          </a:xfrm>
-          <a:prstGeom prst="roundRect">
-            <a:avLst>
-              <a:gd name="adj" fmla="val 5264"/>
-            </a:avLst>
-          </a:prstGeom>
-          <a:solidFill>
-            <a:schemeClr val="bg1">
-              <a:lumMod val="95000"/>
-            </a:schemeClr>
-          </a:solidFill>
-          <a:ln w="3175"/>
-        </p:spPr>
-        <p:style>
-          <a:lnRef idx="2">
-            <a:schemeClr val="accent1">
-              <a:shade val="50000"/>
-            </a:schemeClr>
-          </a:lnRef>
-          <a:fillRef idx="1">
-            <a:schemeClr val="accent1"/>
-          </a:fillRef>
-          <a:effectRef idx="0">
-            <a:schemeClr val="accent1"/>
-          </a:effectRef>
-          <a:fontRef idx="minor">
-            <a:schemeClr val="lt1"/>
-          </a:fontRef>
-        </p:style>
-        <p:txBody>
-          <a:bodyPr vert="eaVert" rtlCol="0" anchor="ctr"/>
-          <a:lstStyle/>
-          <a:p>
-            <a:pPr algn="ctr"/>
-            <a:r>
-              <a:rPr lang="en-US" sz="1200" dirty="0" smtClean="0">
-                <a:solidFill>
-                  <a:schemeClr val="tx1"/>
-                </a:solidFill>
-              </a:rPr>
-              <a:t>Application</a:t>
-            </a:r>
-            <a:endParaRPr lang="en-US" sz="1200" dirty="0">
-              <a:solidFill>
-                <a:schemeClr val="tx1"/>
-              </a:solidFill>
-            </a:endParaRPr>
-          </a:p>
-        </p:txBody>
-      </p:sp>
-      <p:sp>
-        <p:nvSpPr>
-          <p:cNvPr id="30" name="Rounded Rectangle 29"/>
-          <p:cNvSpPr/>
-          <p:nvPr/>
-        </p:nvSpPr>
-        <p:spPr>
-          <a:xfrm>
-            <a:off x="6096000" y="1905000"/>
-            <a:ext cx="1600200" cy="1295400"/>
-          </a:xfrm>
-          <a:prstGeom prst="roundRect">
-            <a:avLst>
-              <a:gd name="adj" fmla="val 5264"/>
-            </a:avLst>
-          </a:prstGeom>
-          <a:solidFill>
-            <a:schemeClr val="bg1">
-              <a:lumMod val="95000"/>
-            </a:schemeClr>
-          </a:solidFill>
-          <a:ln w="3175"/>
-        </p:spPr>
-        <p:style>
-          <a:lnRef idx="2">
-            <a:schemeClr val="accent1">
-              <a:shade val="50000"/>
-            </a:schemeClr>
-          </a:lnRef>
-          <a:fillRef idx="1">
-            <a:schemeClr val="accent1"/>
-          </a:fillRef>
-          <a:effectRef idx="0">
-            <a:schemeClr val="accent1"/>
-          </a:effectRef>
-          <a:fontRef idx="minor">
-            <a:schemeClr val="lt1"/>
-          </a:fontRef>
-        </p:style>
-        <p:txBody>
-          <a:bodyPr rtlCol="0" anchor="ctr"/>
-          <a:lstStyle/>
-          <a:p>
-            <a:pPr algn="ctr"/>
-            <a:r>
-              <a:rPr lang="en-US" sz="1200" dirty="0" smtClean="0">
-                <a:solidFill>
-                  <a:schemeClr val="tx1"/>
-                </a:solidFill>
-              </a:rPr>
-              <a:t>Execution Environment</a:t>
-            </a:r>
-          </a:p>
-          <a:p>
-            <a:pPr algn="ctr"/>
-            <a:endParaRPr lang="en-US" sz="1200" dirty="0" smtClean="0">
-              <a:solidFill>
-                <a:schemeClr val="tx1"/>
-              </a:solidFill>
-            </a:endParaRPr>
-          </a:p>
-          <a:p>
-            <a:pPr algn="ctr"/>
-            <a:endParaRPr lang="en-US" sz="1200" dirty="0" smtClean="0">
-              <a:solidFill>
-                <a:schemeClr val="tx1"/>
-              </a:solidFill>
-            </a:endParaRPr>
-          </a:p>
-          <a:p>
-            <a:pPr algn="ctr"/>
-            <a:endParaRPr lang="en-US" sz="1200" dirty="0" smtClean="0">
-              <a:solidFill>
-                <a:schemeClr val="tx1"/>
-              </a:solidFill>
-            </a:endParaRPr>
-          </a:p>
-          <a:p>
-            <a:pPr algn="ctr"/>
-            <a:endParaRPr lang="en-US" sz="1200" dirty="0">
-              <a:solidFill>
-                <a:schemeClr val="tx1"/>
-              </a:solidFill>
-            </a:endParaRPr>
-          </a:p>
-        </p:txBody>
-      </p:sp>
-      <p:sp>
-        <p:nvSpPr>
-          <p:cNvPr id="31" name="Rounded Rectangle 30"/>
-          <p:cNvSpPr/>
-          <p:nvPr/>
-        </p:nvSpPr>
-        <p:spPr>
-          <a:xfrm>
-            <a:off x="6248400" y="2438400"/>
-            <a:ext cx="609600" cy="304800"/>
-          </a:xfrm>
-          <a:prstGeom prst="roundRect">
-            <a:avLst>
-              <a:gd name="adj" fmla="val 5264"/>
-            </a:avLst>
-          </a:prstGeom>
-          <a:solidFill>
-            <a:schemeClr val="bg1">
-              <a:lumMod val="95000"/>
-            </a:schemeClr>
-          </a:solidFill>
-          <a:ln w="3175"/>
-        </p:spPr>
-        <p:style>
-          <a:lnRef idx="2">
-            <a:schemeClr val="accent1">
-              <a:shade val="50000"/>
-            </a:schemeClr>
-          </a:lnRef>
-          <a:fillRef idx="1">
-            <a:schemeClr val="accent1"/>
-          </a:fillRef>
-          <a:effectRef idx="0">
-            <a:schemeClr val="accent1"/>
-          </a:effectRef>
-          <a:fontRef idx="minor">
-            <a:schemeClr val="lt1"/>
-          </a:fontRef>
-        </p:style>
-        <p:txBody>
-          <a:bodyPr rtlCol="0" anchor="ctr"/>
-          <a:lstStyle/>
-          <a:p>
-            <a:pPr algn="ctr"/>
-            <a:r>
-              <a:rPr lang="en-US" sz="1200" dirty="0" smtClean="0">
-                <a:solidFill>
-                  <a:schemeClr val="tx1"/>
-                </a:solidFill>
-              </a:rPr>
-              <a:t>JVMPI</a:t>
-            </a:r>
-            <a:endParaRPr lang="en-US" sz="1200" dirty="0">
-              <a:solidFill>
-                <a:schemeClr val="tx1"/>
-              </a:solidFill>
-            </a:endParaRPr>
-          </a:p>
-        </p:txBody>
-      </p:sp>
-      <p:sp>
-        <p:nvSpPr>
-          <p:cNvPr id="32" name="Rounded Rectangle 31"/>
-          <p:cNvSpPr/>
-          <p:nvPr/>
-        </p:nvSpPr>
-        <p:spPr>
-          <a:xfrm>
-            <a:off x="6934200" y="2438400"/>
-            <a:ext cx="609600" cy="304800"/>
-          </a:xfrm>
-          <a:prstGeom prst="roundRect">
-            <a:avLst>
-              <a:gd name="adj" fmla="val 5264"/>
-            </a:avLst>
-          </a:prstGeom>
-          <a:solidFill>
-            <a:schemeClr val="bg1">
-              <a:lumMod val="95000"/>
-            </a:schemeClr>
-          </a:solidFill>
-          <a:ln w="3175"/>
-        </p:spPr>
-        <p:style>
-          <a:lnRef idx="2">
-            <a:schemeClr val="accent1">
-              <a:shade val="50000"/>
-            </a:schemeClr>
-          </a:lnRef>
-          <a:fillRef idx="1">
-            <a:schemeClr val="accent1"/>
-          </a:fillRef>
-          <a:effectRef idx="0">
-            <a:schemeClr val="accent1"/>
-          </a:effectRef>
-          <a:fontRef idx="minor">
-            <a:schemeClr val="lt1"/>
-          </a:fontRef>
-        </p:style>
-        <p:txBody>
-          <a:bodyPr rtlCol="0" anchor="ctr"/>
-          <a:lstStyle/>
-          <a:p>
-            <a:pPr algn="ctr"/>
-            <a:r>
-              <a:rPr lang="en-US" sz="1200" dirty="0" smtClean="0">
-                <a:solidFill>
-                  <a:schemeClr val="tx1"/>
-                </a:solidFill>
-              </a:rPr>
-              <a:t>JITI</a:t>
-            </a:r>
-            <a:endParaRPr lang="en-US" sz="1200" dirty="0">
-              <a:solidFill>
-                <a:schemeClr val="tx1"/>
-              </a:solidFill>
-            </a:endParaRPr>
-          </a:p>
-        </p:txBody>
-      </p:sp>
-      <p:sp>
-        <p:nvSpPr>
-          <p:cNvPr id="33" name="Rounded Rectangle 32"/>
-          <p:cNvSpPr/>
-          <p:nvPr/>
-        </p:nvSpPr>
-        <p:spPr>
-          <a:xfrm>
-            <a:off x="6248400" y="2819400"/>
-            <a:ext cx="1295400" cy="304800"/>
-          </a:xfrm>
-          <a:prstGeom prst="roundRect">
-            <a:avLst>
-              <a:gd name="adj" fmla="val 5264"/>
-            </a:avLst>
-          </a:prstGeom>
-          <a:solidFill>
-            <a:schemeClr val="bg1">
-              <a:lumMod val="95000"/>
-            </a:schemeClr>
-          </a:solidFill>
-          <a:ln w="3175"/>
-        </p:spPr>
-        <p:style>
-          <a:lnRef idx="2">
-            <a:schemeClr val="accent1">
-              <a:shade val="50000"/>
-            </a:schemeClr>
-          </a:lnRef>
-          <a:fillRef idx="1">
-            <a:schemeClr val="accent1"/>
-          </a:fillRef>
-          <a:effectRef idx="0">
-            <a:schemeClr val="accent1"/>
-          </a:effectRef>
-          <a:fontRef idx="minor">
-            <a:schemeClr val="lt1"/>
-          </a:fontRef>
-        </p:style>
-        <p:txBody>
-          <a:bodyPr rtlCol="0" anchor="ctr"/>
-          <a:lstStyle/>
-          <a:p>
-            <a:pPr algn="ctr"/>
-            <a:r>
-              <a:rPr lang="en-US" sz="1200" dirty="0" smtClean="0">
-                <a:solidFill>
-                  <a:schemeClr val="tx1"/>
-                </a:solidFill>
-              </a:rPr>
-              <a:t>PI </a:t>
-            </a:r>
-            <a:r>
-              <a:rPr lang="en-US" sz="1200" dirty="0" err="1" smtClean="0">
-                <a:solidFill>
-                  <a:schemeClr val="tx1"/>
-                </a:solidFill>
-              </a:rPr>
-              <a:t>Virtualizer</a:t>
-            </a:r>
-            <a:endParaRPr lang="en-US" sz="1200" dirty="0">
-              <a:solidFill>
-                <a:schemeClr val="tx1"/>
-              </a:solidFill>
-            </a:endParaRPr>
-          </a:p>
-        </p:txBody>
-      </p:sp>
-      <p:sp>
-        <p:nvSpPr>
-          <p:cNvPr id="35" name="TextBox 34"/>
-          <p:cNvSpPr txBox="1"/>
-          <p:nvPr/>
-        </p:nvSpPr>
-        <p:spPr>
-          <a:xfrm>
-            <a:off x="5410200" y="2590800"/>
-            <a:ext cx="553998" cy="1066800"/>
-          </a:xfrm>
-          <a:prstGeom prst="rect">
-            <a:avLst/>
-          </a:prstGeom>
-          <a:noFill/>
-          <a:ln w="3175">
-            <a:solidFill>
-              <a:schemeClr val="tx1"/>
-            </a:solidFill>
-          </a:ln>
-        </p:spPr>
-        <p:txBody>
-          <a:bodyPr vert="eaVert" wrap="square" rtlCol="0">
-            <a:spAutoFit/>
-          </a:bodyPr>
-          <a:lstStyle/>
-          <a:p>
-            <a:pPr algn="ctr"/>
-            <a:r>
-              <a:rPr lang="en-US" sz="1200" dirty="0" smtClean="0"/>
-              <a:t>Agent Control Interface</a:t>
-            </a:r>
-            <a:endParaRPr lang="en-US" sz="1200" dirty="0"/>
-          </a:p>
-        </p:txBody>
-      </p:sp>
-      <p:sp>
-        <p:nvSpPr>
-          <p:cNvPr id="36" name="TextBox 35"/>
-          <p:cNvSpPr txBox="1"/>
-          <p:nvPr/>
-        </p:nvSpPr>
-        <p:spPr>
-          <a:xfrm>
-            <a:off x="5410200" y="3810000"/>
-            <a:ext cx="553998" cy="1066800"/>
-          </a:xfrm>
-          <a:prstGeom prst="rect">
-            <a:avLst/>
-          </a:prstGeom>
-          <a:noFill/>
-          <a:ln w="3175">
-            <a:solidFill>
-              <a:schemeClr val="tx1"/>
-            </a:solidFill>
-          </a:ln>
-        </p:spPr>
-        <p:txBody>
-          <a:bodyPr vert="eaVert" wrap="square" rtlCol="0">
-            <a:spAutoFit/>
-          </a:bodyPr>
-          <a:lstStyle/>
-          <a:p>
-            <a:pPr algn="ctr"/>
-            <a:r>
-              <a:rPr lang="en-US" sz="1200" dirty="0" smtClean="0"/>
-              <a:t>Data Collection Interface</a:t>
-            </a:r>
-            <a:endParaRPr lang="en-US" sz="1200" dirty="0"/>
-          </a:p>
-        </p:txBody>
-      </p:sp>
-      <p:sp>
-        <p:nvSpPr>
-          <p:cNvPr id="37" name="Left-Right Arrow 36"/>
-          <p:cNvSpPr/>
-          <p:nvPr/>
-        </p:nvSpPr>
-        <p:spPr>
-          <a:xfrm>
-            <a:off x="3581400" y="2209800"/>
-            <a:ext cx="1828800" cy="762000"/>
-          </a:xfrm>
-          <a:prstGeom prst="leftRightArrow">
-            <a:avLst/>
-          </a:prstGeom>
-          <a:solidFill>
-            <a:schemeClr val="bg1">
-              <a:lumMod val="85000"/>
-            </a:schemeClr>
-          </a:solidFill>
-          <a:ln w="3175"/>
-        </p:spPr>
-        <p:style>
-          <a:lnRef idx="2">
-            <a:schemeClr val="accent1">
-              <a:shade val="50000"/>
-            </a:schemeClr>
-          </a:lnRef>
-          <a:fillRef idx="1">
-            <a:schemeClr val="accent1"/>
-          </a:fillRef>
-          <a:effectRef idx="0">
-            <a:schemeClr val="accent1"/>
-          </a:effectRef>
-          <a:fontRef idx="minor">
-            <a:schemeClr val="lt1"/>
-          </a:fontRef>
-        </p:style>
-        <p:txBody>
-          <a:bodyPr rtlCol="0" anchor="ctr"/>
-          <a:lstStyle/>
-          <a:p>
-            <a:pPr algn="ctr"/>
-            <a:r>
-              <a:rPr lang="en-US" sz="1200" dirty="0" smtClean="0">
-                <a:solidFill>
-                  <a:schemeClr val="tx1"/>
-                </a:solidFill>
-              </a:rPr>
-              <a:t>Distributed</a:t>
-            </a:r>
-          </a:p>
-          <a:p>
-            <a:pPr algn="ctr"/>
-            <a:r>
-              <a:rPr lang="en-US" sz="1200" dirty="0" smtClean="0">
-                <a:solidFill>
-                  <a:schemeClr val="tx1"/>
-                </a:solidFill>
-              </a:rPr>
-              <a:t>Control Framework</a:t>
-            </a:r>
-            <a:endParaRPr lang="en-US" sz="1200" dirty="0">
-              <a:solidFill>
-                <a:schemeClr val="tx1"/>
-              </a:solidFill>
-            </a:endParaRPr>
-          </a:p>
-        </p:txBody>
-      </p:sp>
-      <p:sp>
-        <p:nvSpPr>
-          <p:cNvPr id="38" name="Left-Right Arrow 37"/>
-          <p:cNvSpPr/>
-          <p:nvPr/>
-        </p:nvSpPr>
-        <p:spPr>
-          <a:xfrm>
-            <a:off x="2971800" y="3733800"/>
-            <a:ext cx="2362200" cy="762000"/>
-          </a:xfrm>
-          <a:prstGeom prst="leftRightArrow">
-            <a:avLst/>
-          </a:prstGeom>
-          <a:solidFill>
-            <a:schemeClr val="bg1">
-              <a:lumMod val="85000"/>
-            </a:schemeClr>
-          </a:solidFill>
-          <a:ln w="3175"/>
-        </p:spPr>
-        <p:style>
-          <a:lnRef idx="2">
-            <a:schemeClr val="accent1">
-              <a:shade val="50000"/>
-            </a:schemeClr>
-          </a:lnRef>
-          <a:fillRef idx="1">
-            <a:schemeClr val="accent1"/>
-          </a:fillRef>
-          <a:effectRef idx="0">
-            <a:schemeClr val="accent1"/>
-          </a:effectRef>
-          <a:fontRef idx="minor">
-            <a:schemeClr val="lt1"/>
-          </a:fontRef>
-        </p:style>
-        <p:txBody>
-          <a:bodyPr rtlCol="0" anchor="ctr"/>
-          <a:lstStyle/>
-          <a:p>
-            <a:pPr algn="ctr"/>
-            <a:r>
-              <a:rPr lang="en-US" sz="1200" dirty="0" smtClean="0">
-                <a:solidFill>
-                  <a:schemeClr val="tx1"/>
-                </a:solidFill>
-              </a:rPr>
-              <a:t>Distributed</a:t>
-            </a:r>
-          </a:p>
-          <a:p>
-            <a:pPr algn="ctr"/>
-            <a:r>
-              <a:rPr lang="en-US" sz="1200" dirty="0" smtClean="0">
-                <a:solidFill>
-                  <a:schemeClr val="tx1"/>
-                </a:solidFill>
-              </a:rPr>
-              <a:t>Data Collection Framework</a:t>
             </a:r>
             <a:endParaRPr lang="en-US" sz="1200" dirty="0">
               <a:solidFill>
